--- a/Hacaton 2024/Nework.pptx
+++ b/Hacaton 2024/Nework.pptx
@@ -10,49 +10,49 @@
     <p:sldId id="258" r:id="rId4"/>
     <p:sldId id="259" r:id="rId5"/>
     <p:sldId id="260" r:id="rId6"/>
-    <p:sldId id="261" r:id="rId7"/>
+    <p:sldId id="262" r:id="rId7"/>
+    <p:sldId id="264" r:id="rId8"/>
+    <p:sldId id="265" r:id="rId9"/>
+    <p:sldId id="263" r:id="rId10"/>
+    <p:sldId id="261" r:id="rId11"/>
   </p:sldIdLst>
   <p:sldSz cx="18288000" cy="10287000"/>
   <p:notesSz cx="6858000" cy="9144000"/>
   <p:embeddedFontLst>
     <p:embeddedFont>
+      <p:font typeface="Barlow Light" panose="020B0604020202020204" charset="0"/>
+      <p:regular r:id="rId12"/>
+    </p:embeddedFont>
+    <p:embeddedFont>
+      <p:font typeface="Calibri" panose="020F0502020204030204" pitchFamily="34" charset="0"/>
+      <p:regular r:id="rId13"/>
+      <p:bold r:id="rId14"/>
+      <p:italic r:id="rId15"/>
+      <p:boldItalic r:id="rId16"/>
+    </p:embeddedFont>
+    <p:embeddedFont>
+      <p:font typeface="Poppins Bold" panose="020B0604020202020204" charset="0"/>
+      <p:regular r:id="rId17"/>
+    </p:embeddedFont>
+    <p:embeddedFont>
+      <p:font typeface="Barlow Bold" panose="020B0604020202020204" charset="0"/>
+      <p:regular r:id="rId18"/>
+    </p:embeddedFont>
+    <p:embeddedFont>
+      <p:font typeface="Poppins" panose="020B0604020202020204" charset="0"/>
+      <p:regular r:id="rId19"/>
+    </p:embeddedFont>
+    <p:embeddedFont>
+      <p:font typeface="Barlow Condensed Bold" panose="020B0604020202020204" charset="0"/>
+      <p:regular r:id="rId20"/>
+    </p:embeddedFont>
+    <p:embeddedFont>
       <p:font typeface="Barlow Condensed Semi-Bold" panose="020B0604020202020204" charset="0"/>
-      <p:regular r:id="rId8"/>
+      <p:regular r:id="rId21"/>
     </p:embeddedFont>
     <p:embeddedFont>
       <p:font typeface="Poppins Light" panose="020B0604020202020204" charset="0"/>
-      <p:regular r:id="rId9"/>
-    </p:embeddedFont>
-    <p:embeddedFont>
-      <p:font typeface="Calibri" panose="020F0502020204030204" pitchFamily="34" charset="0"/>
-      <p:regular r:id="rId10"/>
-      <p:bold r:id="rId11"/>
-      <p:italic r:id="rId12"/>
-      <p:boldItalic r:id="rId13"/>
-    </p:embeddedFont>
-    <p:embeddedFont>
-      <p:font typeface="Barlow Condensed Bold" panose="020B0604020202020204" charset="0"/>
-      <p:regular r:id="rId14"/>
-    </p:embeddedFont>
-    <p:embeddedFont>
-      <p:font typeface="Popper Sans" panose="020B0604020202020204" charset="-79"/>
-      <p:regular r:id="rId15"/>
-    </p:embeddedFont>
-    <p:embeddedFont>
-      <p:font typeface="Barlow Light" panose="020B0604020202020204" charset="0"/>
-      <p:regular r:id="rId16"/>
-    </p:embeddedFont>
-    <p:embeddedFont>
-      <p:font typeface="Poppins" panose="020B0604020202020204" charset="0"/>
-      <p:regular r:id="rId17"/>
-    </p:embeddedFont>
-    <p:embeddedFont>
-      <p:font typeface="Poppins Bold" panose="020B0604020202020204" charset="0"/>
-      <p:regular r:id="rId18"/>
-    </p:embeddedFont>
-    <p:embeddedFont>
-      <p:font typeface="Barlow Bold" panose="020B0604020202020204" charset="0"/>
-      <p:regular r:id="rId19"/>
+      <p:regular r:id="rId22"/>
     </p:embeddedFont>
   </p:embeddedFontLst>
   <p:defaultTextStyle>
@@ -3202,13 +3202,58 @@
               </a:lnSpc>
             </a:pPr>
             <a:r>
-              <a:rPr lang="en-US" sz="2999">
+              <a:rPr lang="en-US" sz="2999" dirty="0" err="1">
                 <a:solidFill>
                   <a:srgbClr val="FFFFFF"/>
                 </a:solidFill>
                 <a:latin typeface="Poppins"/>
               </a:rPr>
-              <a:t>Farg‘ona Yoshlar Hakaton 2024</a:t>
+              <a:t>Farg‘ona</a:t>
+            </a:r>
+            <a:r>
+              <a:rPr lang="en-US" sz="2999" dirty="0">
+                <a:solidFill>
+                  <a:srgbClr val="FFFFFF"/>
+                </a:solidFill>
+                <a:latin typeface="Poppins"/>
+              </a:rPr>
+              <a:t> </a:t>
+            </a:r>
+            <a:r>
+              <a:rPr lang="en-US" sz="2999" dirty="0" err="1">
+                <a:solidFill>
+                  <a:srgbClr val="FFFFFF"/>
+                </a:solidFill>
+                <a:latin typeface="Poppins"/>
+              </a:rPr>
+              <a:t>Yoshlar</a:t>
+            </a:r>
+            <a:r>
+              <a:rPr lang="en-US" sz="2999" dirty="0">
+                <a:solidFill>
+                  <a:srgbClr val="FFFFFF"/>
+                </a:solidFill>
+                <a:latin typeface="Poppins"/>
+              </a:rPr>
+              <a:t> </a:t>
+            </a:r>
+            <a:r>
+              <a:rPr lang="en-US" sz="2999" dirty="0" err="1">
+                <a:solidFill>
+                  <a:srgbClr val="FFFFFF"/>
+                </a:solidFill>
+                <a:latin typeface="Poppins"/>
+              </a:rPr>
+              <a:t>Hakaton</a:t>
+            </a:r>
+            <a:r>
+              <a:rPr lang="en-US" sz="2999" dirty="0">
+                <a:solidFill>
+                  <a:srgbClr val="FFFFFF"/>
+                </a:solidFill>
+                <a:latin typeface="Poppins"/>
+              </a:rPr>
+              <a:t> 2024</a:t>
             </a:r>
           </a:p>
         </p:txBody>
@@ -3222,7 +3267,7 @@
         <p:spPr>
           <a:xfrm>
             <a:off x="2293155" y="9311641"/>
-            <a:ext cx="5081505" cy="533400"/>
+            <a:ext cx="5081505" cy="491481"/>
           </a:xfrm>
           <a:prstGeom prst="rect">
             <a:avLst/>
@@ -3243,13 +3288,1254 @@
               </a:spcBef>
             </a:pPr>
             <a:r>
-              <a:rPr lang="en-US" sz="3000">
+              <a:rPr lang="en-US" sz="3000" dirty="0" err="1">
                 <a:solidFill>
                   <a:srgbClr val="FFFFFF"/>
                 </a:solidFill>
-                <a:latin typeface="Popper Sans"/>
+                <a:latin typeface="Popper"/>
               </a:rPr>
-              <a:t>Jamoa: Texnovoy</a:t>
+              <a:t>Jamoa</a:t>
+            </a:r>
+            <a:r>
+              <a:rPr lang="en-US" sz="3000" dirty="0">
+                <a:solidFill>
+                  <a:srgbClr val="FFFFFF"/>
+                </a:solidFill>
+                <a:latin typeface="Popper"/>
+              </a:rPr>
+              <a:t>: </a:t>
+            </a:r>
+            <a:r>
+              <a:rPr lang="en-US" sz="3000" dirty="0" err="1">
+                <a:solidFill>
+                  <a:srgbClr val="FFFFFF"/>
+                </a:solidFill>
+                <a:latin typeface="Popper"/>
+              </a:rPr>
+              <a:t>Texnovoy</a:t>
+            </a:r>
+            <a:endParaRPr lang="en-US" sz="3000" dirty="0">
+              <a:solidFill>
+                <a:srgbClr val="FFFFFF"/>
+              </a:solidFill>
+              <a:latin typeface="Popper"/>
+            </a:endParaRPr>
+          </a:p>
+        </p:txBody>
+      </p:sp>
+    </p:spTree>
+  </p:cSld>
+  <p:clrMapOvr>
+    <a:masterClrMapping/>
+  </p:clrMapOvr>
+  <p:timing>
+    <p:tnLst>
+      <p:par>
+        <p:cTn id="1" dur="indefinite" restart="never" nodeType="tmRoot"/>
+      </p:par>
+    </p:tnLst>
+  </p:timing>
+</p:sld>
+</file>
+
+<file path=ppt/slides/slide10.xml><?xml version="1.0" encoding="utf-8"?>
+<p:sld xmlns:a="http://schemas.openxmlformats.org/drawingml/2006/main" xmlns:r="http://schemas.openxmlformats.org/officeDocument/2006/relationships" xmlns:p="http://schemas.openxmlformats.org/presentationml/2006/main">
+  <p:cSld>
+    <p:bg>
+      <p:bgPr>
+        <a:solidFill>
+          <a:srgbClr val="292929"/>
+        </a:solidFill>
+        <a:effectLst/>
+      </p:bgPr>
+    </p:bg>
+    <p:spTree>
+      <p:nvGrpSpPr>
+        <p:cNvPr id="1" name=""/>
+        <p:cNvGrpSpPr/>
+        <p:nvPr/>
+      </p:nvGrpSpPr>
+      <p:grpSpPr>
+        <a:xfrm>
+          <a:off x="0" y="0"/>
+          <a:ext cx="0" cy="0"/>
+          <a:chOff x="0" y="0"/>
+          <a:chExt cx="0" cy="0"/>
+        </a:xfrm>
+      </p:grpSpPr>
+      <p:sp>
+        <p:nvSpPr>
+          <p:cNvPr id="2" name="Freeform 2"/>
+          <p:cNvSpPr/>
+          <p:nvPr/>
+        </p:nvSpPr>
+        <p:spPr>
+          <a:xfrm>
+            <a:off x="0" y="0"/>
+            <a:ext cx="4343400" cy="10287000"/>
+          </a:xfrm>
+          <a:custGeom>
+            <a:avLst/>
+            <a:gdLst/>
+            <a:ahLst/>
+            <a:cxnLst/>
+            <a:rect l="l" t="t" r="r" b="b"/>
+            <a:pathLst>
+              <a:path w="4343400" h="10287000">
+                <a:moveTo>
+                  <a:pt x="0" y="0"/>
+                </a:moveTo>
+                <a:lnTo>
+                  <a:pt x="4343400" y="0"/>
+                </a:lnTo>
+                <a:lnTo>
+                  <a:pt x="4343400" y="10287000"/>
+                </a:lnTo>
+                <a:lnTo>
+                  <a:pt x="0" y="10287000"/>
+                </a:lnTo>
+                <a:lnTo>
+                  <a:pt x="0" y="0"/>
+                </a:lnTo>
+                <a:close/>
+              </a:path>
+            </a:pathLst>
+          </a:custGeom>
+          <a:blipFill>
+            <a:blip r:embed="rId2"/>
+            <a:stretch>
+              <a:fillRect l="-28947" r="-28947"/>
+            </a:stretch>
+          </a:blipFill>
+        </p:spPr>
+      </p:sp>
+      <p:sp>
+        <p:nvSpPr>
+          <p:cNvPr id="3" name="TextBox 3"/>
+          <p:cNvSpPr txBox="1"/>
+          <p:nvPr/>
+        </p:nvSpPr>
+        <p:spPr>
+          <a:xfrm>
+            <a:off x="5907869" y="1130465"/>
+            <a:ext cx="10744200" cy="748030"/>
+          </a:xfrm>
+          <a:prstGeom prst="rect">
+            <a:avLst/>
+          </a:prstGeom>
+        </p:spPr>
+        <p:txBody>
+          <a:bodyPr lIns="0" tIns="0" rIns="0" bIns="0" rtlCol="0" anchor="t">
+            <a:spAutoFit/>
+          </a:bodyPr>
+          <a:lstStyle/>
+          <a:p>
+            <a:pPr>
+              <a:lnSpc>
+                <a:spcPts val="6019"/>
+              </a:lnSpc>
+            </a:pPr>
+            <a:r>
+              <a:rPr lang="en-US" sz="4299">
+                <a:solidFill>
+                  <a:srgbClr val="009444"/>
+                </a:solidFill>
+                <a:latin typeface="Barlow Bold"/>
+              </a:rPr>
+              <a:t>Grafik dizayner:</a:t>
+            </a:r>
+            <a:r>
+              <a:rPr lang="en-US" sz="4299">
+                <a:solidFill>
+                  <a:srgbClr val="009444"/>
+                </a:solidFill>
+                <a:latin typeface="Barlow Light"/>
+              </a:rPr>
+              <a:t> </a:t>
+            </a:r>
+            <a:r>
+              <a:rPr lang="en-US" sz="4299">
+                <a:solidFill>
+                  <a:srgbClr val="FFFFFF"/>
+                </a:solidFill>
+                <a:latin typeface="Barlow Light"/>
+              </a:rPr>
+              <a:t>Turdiboyev Fayzullo</a:t>
+            </a:r>
+          </a:p>
+        </p:txBody>
+      </p:sp>
+      <p:sp>
+        <p:nvSpPr>
+          <p:cNvPr id="4" name="TextBox 4"/>
+          <p:cNvSpPr txBox="1"/>
+          <p:nvPr/>
+        </p:nvSpPr>
+        <p:spPr>
+          <a:xfrm>
+            <a:off x="5907869" y="3887966"/>
+            <a:ext cx="10744200" cy="748030"/>
+          </a:xfrm>
+          <a:prstGeom prst="rect">
+            <a:avLst/>
+          </a:prstGeom>
+        </p:spPr>
+        <p:txBody>
+          <a:bodyPr lIns="0" tIns="0" rIns="0" bIns="0" rtlCol="0" anchor="t">
+            <a:spAutoFit/>
+          </a:bodyPr>
+          <a:lstStyle/>
+          <a:p>
+            <a:pPr>
+              <a:lnSpc>
+                <a:spcPts val="6019"/>
+              </a:lnSpc>
+            </a:pPr>
+            <a:r>
+              <a:rPr lang="en-US" sz="4299">
+                <a:solidFill>
+                  <a:srgbClr val="009444"/>
+                </a:solidFill>
+                <a:latin typeface="Barlow Bold"/>
+              </a:rPr>
+              <a:t>Veb dasturchi:</a:t>
+            </a:r>
+            <a:r>
+              <a:rPr lang="en-US" sz="4299">
+                <a:solidFill>
+                  <a:srgbClr val="009444"/>
+                </a:solidFill>
+                <a:latin typeface="Barlow Light"/>
+              </a:rPr>
+              <a:t> </a:t>
+            </a:r>
+            <a:r>
+              <a:rPr lang="en-US" sz="4299">
+                <a:solidFill>
+                  <a:srgbClr val="FFFFFF"/>
+                </a:solidFill>
+                <a:latin typeface="Barlow Light"/>
+              </a:rPr>
+              <a:t>Saydullaxonov Hasanxon</a:t>
+            </a:r>
+          </a:p>
+        </p:txBody>
+      </p:sp>
+      <p:sp>
+        <p:nvSpPr>
+          <p:cNvPr id="5" name="TextBox 5"/>
+          <p:cNvSpPr txBox="1"/>
+          <p:nvPr/>
+        </p:nvSpPr>
+        <p:spPr>
+          <a:xfrm>
+            <a:off x="5907869" y="6689950"/>
+            <a:ext cx="10744200" cy="748030"/>
+          </a:xfrm>
+          <a:prstGeom prst="rect">
+            <a:avLst/>
+          </a:prstGeom>
+        </p:spPr>
+        <p:txBody>
+          <a:bodyPr lIns="0" tIns="0" rIns="0" bIns="0" rtlCol="0" anchor="t">
+            <a:spAutoFit/>
+          </a:bodyPr>
+          <a:lstStyle/>
+          <a:p>
+            <a:pPr>
+              <a:lnSpc>
+                <a:spcPts val="6019"/>
+              </a:lnSpc>
+            </a:pPr>
+            <a:r>
+              <a:rPr lang="en-US" sz="4299">
+                <a:solidFill>
+                  <a:srgbClr val="009444"/>
+                </a:solidFill>
+                <a:latin typeface="Barlow Bold"/>
+              </a:rPr>
+              <a:t>Full stack:</a:t>
+            </a:r>
+            <a:r>
+              <a:rPr lang="en-US" sz="4299">
+                <a:solidFill>
+                  <a:srgbClr val="009444"/>
+                </a:solidFill>
+                <a:latin typeface="Barlow Light"/>
+              </a:rPr>
+              <a:t> </a:t>
+            </a:r>
+            <a:r>
+              <a:rPr lang="en-US" sz="4299">
+                <a:solidFill>
+                  <a:srgbClr val="FFFFFF"/>
+                </a:solidFill>
+                <a:latin typeface="Barlow Light"/>
+              </a:rPr>
+              <a:t>Azamatjon Muhammadjonov</a:t>
+            </a:r>
+          </a:p>
+        </p:txBody>
+      </p:sp>
+      <p:grpSp>
+        <p:nvGrpSpPr>
+          <p:cNvPr id="6" name="Group 6"/>
+          <p:cNvGrpSpPr/>
+          <p:nvPr/>
+        </p:nvGrpSpPr>
+        <p:grpSpPr>
+          <a:xfrm>
+            <a:off x="6701735" y="2273550"/>
+            <a:ext cx="162052" cy="162052"/>
+            <a:chOff x="0" y="0"/>
+            <a:chExt cx="6350000" cy="6350000"/>
+          </a:xfrm>
+        </p:grpSpPr>
+        <p:sp>
+          <p:nvSpPr>
+            <p:cNvPr id="7" name="Freeform 7"/>
+            <p:cNvSpPr/>
+            <p:nvPr/>
+          </p:nvSpPr>
+          <p:spPr>
+            <a:xfrm>
+              <a:off x="0" y="0"/>
+              <a:ext cx="6350000" cy="6350000"/>
+            </a:xfrm>
+            <a:custGeom>
+              <a:avLst/>
+              <a:gdLst/>
+              <a:ahLst/>
+              <a:cxnLst/>
+              <a:rect l="l" t="t" r="r" b="b"/>
+              <a:pathLst>
+                <a:path w="6350000" h="6350000">
+                  <a:moveTo>
+                    <a:pt x="3175000" y="0"/>
+                  </a:moveTo>
+                  <a:cubicBezTo>
+                    <a:pt x="1421496" y="0"/>
+                    <a:pt x="0" y="1421496"/>
+                    <a:pt x="0" y="3175000"/>
+                  </a:cubicBezTo>
+                  <a:cubicBezTo>
+                    <a:pt x="0" y="4928504"/>
+                    <a:pt x="1421496" y="6350000"/>
+                    <a:pt x="3175000" y="6350000"/>
+                  </a:cubicBezTo>
+                  <a:cubicBezTo>
+                    <a:pt x="4928504" y="6350000"/>
+                    <a:pt x="6350000" y="4928504"/>
+                    <a:pt x="6350000" y="3175000"/>
+                  </a:cubicBezTo>
+                  <a:cubicBezTo>
+                    <a:pt x="6350000" y="1421496"/>
+                    <a:pt x="4928504" y="0"/>
+                    <a:pt x="3175000" y="0"/>
+                  </a:cubicBezTo>
+                  <a:close/>
+                </a:path>
+              </a:pathLst>
+            </a:custGeom>
+            <a:solidFill>
+              <a:srgbClr val="009444"/>
+            </a:solidFill>
+          </p:spPr>
+        </p:sp>
+      </p:grpSp>
+      <p:grpSp>
+        <p:nvGrpSpPr>
+          <p:cNvPr id="8" name="Group 8"/>
+          <p:cNvGrpSpPr/>
+          <p:nvPr/>
+        </p:nvGrpSpPr>
+        <p:grpSpPr>
+          <a:xfrm>
+            <a:off x="6701735" y="2875666"/>
+            <a:ext cx="162052" cy="162052"/>
+            <a:chOff x="0" y="0"/>
+            <a:chExt cx="6350000" cy="6350000"/>
+          </a:xfrm>
+        </p:grpSpPr>
+        <p:sp>
+          <p:nvSpPr>
+            <p:cNvPr id="9" name="Freeform 9"/>
+            <p:cNvSpPr/>
+            <p:nvPr/>
+          </p:nvSpPr>
+          <p:spPr>
+            <a:xfrm>
+              <a:off x="0" y="0"/>
+              <a:ext cx="6350000" cy="6350000"/>
+            </a:xfrm>
+            <a:custGeom>
+              <a:avLst/>
+              <a:gdLst/>
+              <a:ahLst/>
+              <a:cxnLst/>
+              <a:rect l="l" t="t" r="r" b="b"/>
+              <a:pathLst>
+                <a:path w="6350000" h="6350000">
+                  <a:moveTo>
+                    <a:pt x="3175000" y="0"/>
+                  </a:moveTo>
+                  <a:cubicBezTo>
+                    <a:pt x="1421496" y="0"/>
+                    <a:pt x="0" y="1421496"/>
+                    <a:pt x="0" y="3175000"/>
+                  </a:cubicBezTo>
+                  <a:cubicBezTo>
+                    <a:pt x="0" y="4928504"/>
+                    <a:pt x="1421496" y="6350000"/>
+                    <a:pt x="3175000" y="6350000"/>
+                  </a:cubicBezTo>
+                  <a:cubicBezTo>
+                    <a:pt x="4928504" y="6350000"/>
+                    <a:pt x="6350000" y="4928504"/>
+                    <a:pt x="6350000" y="3175000"/>
+                  </a:cubicBezTo>
+                  <a:cubicBezTo>
+                    <a:pt x="6350000" y="1421496"/>
+                    <a:pt x="4928504" y="0"/>
+                    <a:pt x="3175000" y="0"/>
+                  </a:cubicBezTo>
+                  <a:close/>
+                </a:path>
+              </a:pathLst>
+            </a:custGeom>
+            <a:solidFill>
+              <a:srgbClr val="009444"/>
+            </a:solidFill>
+          </p:spPr>
+        </p:sp>
+      </p:grpSp>
+      <p:grpSp>
+        <p:nvGrpSpPr>
+          <p:cNvPr id="10" name="Group 10"/>
+          <p:cNvGrpSpPr/>
+          <p:nvPr/>
+        </p:nvGrpSpPr>
+        <p:grpSpPr>
+          <a:xfrm>
+            <a:off x="6701735" y="3477782"/>
+            <a:ext cx="162052" cy="162052"/>
+            <a:chOff x="0" y="0"/>
+            <a:chExt cx="6350000" cy="6350000"/>
+          </a:xfrm>
+        </p:grpSpPr>
+        <p:sp>
+          <p:nvSpPr>
+            <p:cNvPr id="11" name="Freeform 11"/>
+            <p:cNvSpPr/>
+            <p:nvPr/>
+          </p:nvSpPr>
+          <p:spPr>
+            <a:xfrm>
+              <a:off x="0" y="0"/>
+              <a:ext cx="6350000" cy="6350000"/>
+            </a:xfrm>
+            <a:custGeom>
+              <a:avLst/>
+              <a:gdLst/>
+              <a:ahLst/>
+              <a:cxnLst/>
+              <a:rect l="l" t="t" r="r" b="b"/>
+              <a:pathLst>
+                <a:path w="6350000" h="6350000">
+                  <a:moveTo>
+                    <a:pt x="3175000" y="0"/>
+                  </a:moveTo>
+                  <a:cubicBezTo>
+                    <a:pt x="1421496" y="0"/>
+                    <a:pt x="0" y="1421496"/>
+                    <a:pt x="0" y="3175000"/>
+                  </a:cubicBezTo>
+                  <a:cubicBezTo>
+                    <a:pt x="0" y="4928504"/>
+                    <a:pt x="1421496" y="6350000"/>
+                    <a:pt x="3175000" y="6350000"/>
+                  </a:cubicBezTo>
+                  <a:cubicBezTo>
+                    <a:pt x="4928504" y="6350000"/>
+                    <a:pt x="6350000" y="4928504"/>
+                    <a:pt x="6350000" y="3175000"/>
+                  </a:cubicBezTo>
+                  <a:cubicBezTo>
+                    <a:pt x="6350000" y="1421496"/>
+                    <a:pt x="4928504" y="0"/>
+                    <a:pt x="3175000" y="0"/>
+                  </a:cubicBezTo>
+                  <a:close/>
+                </a:path>
+              </a:pathLst>
+            </a:custGeom>
+            <a:solidFill>
+              <a:srgbClr val="009444"/>
+            </a:solidFill>
+          </p:spPr>
+        </p:sp>
+      </p:grpSp>
+      <p:sp>
+        <p:nvSpPr>
+          <p:cNvPr id="12" name="TextBox 12"/>
+          <p:cNvSpPr txBox="1"/>
+          <p:nvPr/>
+        </p:nvSpPr>
+        <p:spPr>
+          <a:xfrm>
+            <a:off x="7068865" y="2038457"/>
+            <a:ext cx="2316039" cy="577081"/>
+          </a:xfrm>
+          <a:prstGeom prst="rect">
+            <a:avLst/>
+          </a:prstGeom>
+        </p:spPr>
+        <p:txBody>
+          <a:bodyPr wrap="square" lIns="0" tIns="0" rIns="0" bIns="0" rtlCol="0" anchor="t">
+            <a:spAutoFit/>
+          </a:bodyPr>
+          <a:lstStyle/>
+          <a:p>
+            <a:pPr algn="ctr">
+              <a:lnSpc>
+                <a:spcPts val="4479"/>
+              </a:lnSpc>
+              <a:spcBef>
+                <a:spcPct val="0"/>
+              </a:spcBef>
+            </a:pPr>
+            <a:r>
+              <a:rPr lang="en-US" sz="2799" dirty="0">
+                <a:solidFill>
+                  <a:srgbClr val="FFFFFF"/>
+                </a:solidFill>
+                <a:latin typeface="Poppins Light"/>
+              </a:rPr>
+              <a:t>Photoshop</a:t>
+            </a:r>
+          </a:p>
+        </p:txBody>
+      </p:sp>
+      <p:sp>
+        <p:nvSpPr>
+          <p:cNvPr id="13" name="TextBox 13"/>
+          <p:cNvSpPr txBox="1"/>
+          <p:nvPr/>
+        </p:nvSpPr>
+        <p:spPr>
+          <a:xfrm>
+            <a:off x="7255157" y="2613474"/>
+            <a:ext cx="1943457" cy="553086"/>
+          </a:xfrm>
+          <a:prstGeom prst="rect">
+            <a:avLst/>
+          </a:prstGeom>
+        </p:spPr>
+        <p:txBody>
+          <a:bodyPr lIns="0" tIns="0" rIns="0" bIns="0" rtlCol="0" anchor="t">
+            <a:spAutoFit/>
+          </a:bodyPr>
+          <a:lstStyle/>
+          <a:p>
+            <a:pPr algn="ctr">
+              <a:lnSpc>
+                <a:spcPts val="4479"/>
+              </a:lnSpc>
+              <a:spcBef>
+                <a:spcPct val="0"/>
+              </a:spcBef>
+            </a:pPr>
+            <a:r>
+              <a:rPr lang="en-US" sz="2799">
+                <a:solidFill>
+                  <a:srgbClr val="FFFFFF"/>
+                </a:solidFill>
+                <a:latin typeface="Poppins Light"/>
+              </a:rPr>
+              <a:t>CorallDraw</a:t>
+            </a:r>
+          </a:p>
+        </p:txBody>
+      </p:sp>
+      <p:sp>
+        <p:nvSpPr>
+          <p:cNvPr id="14" name="TextBox 14"/>
+          <p:cNvSpPr txBox="1"/>
+          <p:nvPr/>
+        </p:nvSpPr>
+        <p:spPr>
+          <a:xfrm>
+            <a:off x="7295876" y="3249155"/>
+            <a:ext cx="2888218" cy="553086"/>
+          </a:xfrm>
+          <a:prstGeom prst="rect">
+            <a:avLst/>
+          </a:prstGeom>
+        </p:spPr>
+        <p:txBody>
+          <a:bodyPr lIns="0" tIns="0" rIns="0" bIns="0" rtlCol="0" anchor="t">
+            <a:spAutoFit/>
+          </a:bodyPr>
+          <a:lstStyle/>
+          <a:p>
+            <a:pPr algn="ctr">
+              <a:lnSpc>
+                <a:spcPts val="4479"/>
+              </a:lnSpc>
+              <a:spcBef>
+                <a:spcPct val="0"/>
+              </a:spcBef>
+            </a:pPr>
+            <a:r>
+              <a:rPr lang="en-US" sz="2799">
+                <a:solidFill>
+                  <a:srgbClr val="FFFFFF"/>
+                </a:solidFill>
+                <a:latin typeface="Poppins Light"/>
+              </a:rPr>
+              <a:t>Adobe Illustrator</a:t>
+            </a:r>
+          </a:p>
+        </p:txBody>
+      </p:sp>
+      <p:grpSp>
+        <p:nvGrpSpPr>
+          <p:cNvPr id="15" name="Group 15"/>
+          <p:cNvGrpSpPr/>
+          <p:nvPr/>
+        </p:nvGrpSpPr>
+        <p:grpSpPr>
+          <a:xfrm>
+            <a:off x="6782761" y="4983913"/>
+            <a:ext cx="162052" cy="162052"/>
+            <a:chOff x="0" y="0"/>
+            <a:chExt cx="6350000" cy="6350000"/>
+          </a:xfrm>
+        </p:grpSpPr>
+        <p:sp>
+          <p:nvSpPr>
+            <p:cNvPr id="16" name="Freeform 16"/>
+            <p:cNvSpPr/>
+            <p:nvPr/>
+          </p:nvSpPr>
+          <p:spPr>
+            <a:xfrm>
+              <a:off x="0" y="0"/>
+              <a:ext cx="6350000" cy="6350000"/>
+            </a:xfrm>
+            <a:custGeom>
+              <a:avLst/>
+              <a:gdLst/>
+              <a:ahLst/>
+              <a:cxnLst/>
+              <a:rect l="l" t="t" r="r" b="b"/>
+              <a:pathLst>
+                <a:path w="6350000" h="6350000">
+                  <a:moveTo>
+                    <a:pt x="3175000" y="0"/>
+                  </a:moveTo>
+                  <a:cubicBezTo>
+                    <a:pt x="1421496" y="0"/>
+                    <a:pt x="0" y="1421496"/>
+                    <a:pt x="0" y="3175000"/>
+                  </a:cubicBezTo>
+                  <a:cubicBezTo>
+                    <a:pt x="0" y="4928504"/>
+                    <a:pt x="1421496" y="6350000"/>
+                    <a:pt x="3175000" y="6350000"/>
+                  </a:cubicBezTo>
+                  <a:cubicBezTo>
+                    <a:pt x="4928504" y="6350000"/>
+                    <a:pt x="6350000" y="4928504"/>
+                    <a:pt x="6350000" y="3175000"/>
+                  </a:cubicBezTo>
+                  <a:cubicBezTo>
+                    <a:pt x="6350000" y="1421496"/>
+                    <a:pt x="4928504" y="0"/>
+                    <a:pt x="3175000" y="0"/>
+                  </a:cubicBezTo>
+                  <a:close/>
+                </a:path>
+              </a:pathLst>
+            </a:custGeom>
+            <a:solidFill>
+              <a:srgbClr val="009444"/>
+            </a:solidFill>
+          </p:spPr>
+        </p:sp>
+      </p:grpSp>
+      <p:grpSp>
+        <p:nvGrpSpPr>
+          <p:cNvPr id="17" name="Group 17"/>
+          <p:cNvGrpSpPr/>
+          <p:nvPr/>
+        </p:nvGrpSpPr>
+        <p:grpSpPr>
+          <a:xfrm>
+            <a:off x="6782761" y="5586029"/>
+            <a:ext cx="162052" cy="162052"/>
+            <a:chOff x="0" y="0"/>
+            <a:chExt cx="6350000" cy="6350000"/>
+          </a:xfrm>
+        </p:grpSpPr>
+        <p:sp>
+          <p:nvSpPr>
+            <p:cNvPr id="18" name="Freeform 18"/>
+            <p:cNvSpPr/>
+            <p:nvPr/>
+          </p:nvSpPr>
+          <p:spPr>
+            <a:xfrm>
+              <a:off x="0" y="0"/>
+              <a:ext cx="6350000" cy="6350000"/>
+            </a:xfrm>
+            <a:custGeom>
+              <a:avLst/>
+              <a:gdLst/>
+              <a:ahLst/>
+              <a:cxnLst/>
+              <a:rect l="l" t="t" r="r" b="b"/>
+              <a:pathLst>
+                <a:path w="6350000" h="6350000">
+                  <a:moveTo>
+                    <a:pt x="3175000" y="0"/>
+                  </a:moveTo>
+                  <a:cubicBezTo>
+                    <a:pt x="1421496" y="0"/>
+                    <a:pt x="0" y="1421496"/>
+                    <a:pt x="0" y="3175000"/>
+                  </a:cubicBezTo>
+                  <a:cubicBezTo>
+                    <a:pt x="0" y="4928504"/>
+                    <a:pt x="1421496" y="6350000"/>
+                    <a:pt x="3175000" y="6350000"/>
+                  </a:cubicBezTo>
+                  <a:cubicBezTo>
+                    <a:pt x="4928504" y="6350000"/>
+                    <a:pt x="6350000" y="4928504"/>
+                    <a:pt x="6350000" y="3175000"/>
+                  </a:cubicBezTo>
+                  <a:cubicBezTo>
+                    <a:pt x="6350000" y="1421496"/>
+                    <a:pt x="4928504" y="0"/>
+                    <a:pt x="3175000" y="0"/>
+                  </a:cubicBezTo>
+                  <a:close/>
+                </a:path>
+              </a:pathLst>
+            </a:custGeom>
+            <a:solidFill>
+              <a:srgbClr val="009444"/>
+            </a:solidFill>
+          </p:spPr>
+        </p:sp>
+      </p:grpSp>
+      <p:grpSp>
+        <p:nvGrpSpPr>
+          <p:cNvPr id="19" name="Group 19"/>
+          <p:cNvGrpSpPr/>
+          <p:nvPr/>
+        </p:nvGrpSpPr>
+        <p:grpSpPr>
+          <a:xfrm>
+            <a:off x="6782761" y="6188145"/>
+            <a:ext cx="162052" cy="162052"/>
+            <a:chOff x="0" y="0"/>
+            <a:chExt cx="6350000" cy="6350000"/>
+          </a:xfrm>
+        </p:grpSpPr>
+        <p:sp>
+          <p:nvSpPr>
+            <p:cNvPr id="20" name="Freeform 20"/>
+            <p:cNvSpPr/>
+            <p:nvPr/>
+          </p:nvSpPr>
+          <p:spPr>
+            <a:xfrm>
+              <a:off x="0" y="0"/>
+              <a:ext cx="6350000" cy="6350000"/>
+            </a:xfrm>
+            <a:custGeom>
+              <a:avLst/>
+              <a:gdLst/>
+              <a:ahLst/>
+              <a:cxnLst/>
+              <a:rect l="l" t="t" r="r" b="b"/>
+              <a:pathLst>
+                <a:path w="6350000" h="6350000">
+                  <a:moveTo>
+                    <a:pt x="3175000" y="0"/>
+                  </a:moveTo>
+                  <a:cubicBezTo>
+                    <a:pt x="1421496" y="0"/>
+                    <a:pt x="0" y="1421496"/>
+                    <a:pt x="0" y="3175000"/>
+                  </a:cubicBezTo>
+                  <a:cubicBezTo>
+                    <a:pt x="0" y="4928504"/>
+                    <a:pt x="1421496" y="6350000"/>
+                    <a:pt x="3175000" y="6350000"/>
+                  </a:cubicBezTo>
+                  <a:cubicBezTo>
+                    <a:pt x="4928504" y="6350000"/>
+                    <a:pt x="6350000" y="4928504"/>
+                    <a:pt x="6350000" y="3175000"/>
+                  </a:cubicBezTo>
+                  <a:cubicBezTo>
+                    <a:pt x="6350000" y="1421496"/>
+                    <a:pt x="4928504" y="0"/>
+                    <a:pt x="3175000" y="0"/>
+                  </a:cubicBezTo>
+                  <a:close/>
+                </a:path>
+              </a:pathLst>
+            </a:custGeom>
+            <a:solidFill>
+              <a:srgbClr val="009444"/>
+            </a:solidFill>
+          </p:spPr>
+        </p:sp>
+      </p:grpSp>
+      <p:sp>
+        <p:nvSpPr>
+          <p:cNvPr id="21" name="TextBox 21"/>
+          <p:cNvSpPr txBox="1"/>
+          <p:nvPr/>
+        </p:nvSpPr>
+        <p:spPr>
+          <a:xfrm>
+            <a:off x="7432445" y="4721721"/>
+            <a:ext cx="875467" cy="553086"/>
+          </a:xfrm>
+          <a:prstGeom prst="rect">
+            <a:avLst/>
+          </a:prstGeom>
+        </p:spPr>
+        <p:txBody>
+          <a:bodyPr lIns="0" tIns="0" rIns="0" bIns="0" rtlCol="0" anchor="t">
+            <a:spAutoFit/>
+          </a:bodyPr>
+          <a:lstStyle/>
+          <a:p>
+            <a:pPr algn="ctr">
+              <a:lnSpc>
+                <a:spcPts val="4479"/>
+              </a:lnSpc>
+              <a:spcBef>
+                <a:spcPct val="0"/>
+              </a:spcBef>
+            </a:pPr>
+            <a:r>
+              <a:rPr lang="en-US" sz="2799">
+                <a:solidFill>
+                  <a:srgbClr val="FFFFFF"/>
+                </a:solidFill>
+                <a:latin typeface="Poppins Light"/>
+              </a:rPr>
+              <a:t>HTML</a:t>
+            </a:r>
+          </a:p>
+        </p:txBody>
+      </p:sp>
+      <p:sp>
+        <p:nvSpPr>
+          <p:cNvPr id="22" name="TextBox 22"/>
+          <p:cNvSpPr txBox="1"/>
+          <p:nvPr/>
+        </p:nvSpPr>
+        <p:spPr>
+          <a:xfrm>
+            <a:off x="7432445" y="5340620"/>
+            <a:ext cx="636865" cy="553086"/>
+          </a:xfrm>
+          <a:prstGeom prst="rect">
+            <a:avLst/>
+          </a:prstGeom>
+        </p:spPr>
+        <p:txBody>
+          <a:bodyPr lIns="0" tIns="0" rIns="0" bIns="0" rtlCol="0" anchor="t">
+            <a:spAutoFit/>
+          </a:bodyPr>
+          <a:lstStyle/>
+          <a:p>
+            <a:pPr algn="ctr">
+              <a:lnSpc>
+                <a:spcPts val="4479"/>
+              </a:lnSpc>
+              <a:spcBef>
+                <a:spcPct val="0"/>
+              </a:spcBef>
+            </a:pPr>
+            <a:r>
+              <a:rPr lang="en-US" sz="2799">
+                <a:solidFill>
+                  <a:srgbClr val="FFFFFF"/>
+                </a:solidFill>
+                <a:latin typeface="Poppins Light"/>
+              </a:rPr>
+              <a:t>Css</a:t>
+            </a:r>
+          </a:p>
+        </p:txBody>
+      </p:sp>
+      <p:sp>
+        <p:nvSpPr>
+          <p:cNvPr id="23" name="TextBox 23"/>
+          <p:cNvSpPr txBox="1"/>
+          <p:nvPr/>
+        </p:nvSpPr>
+        <p:spPr>
+          <a:xfrm>
+            <a:off x="7432445" y="5960380"/>
+            <a:ext cx="1827967" cy="553086"/>
+          </a:xfrm>
+          <a:prstGeom prst="rect">
+            <a:avLst/>
+          </a:prstGeom>
+        </p:spPr>
+        <p:txBody>
+          <a:bodyPr lIns="0" tIns="0" rIns="0" bIns="0" rtlCol="0" anchor="t">
+            <a:spAutoFit/>
+          </a:bodyPr>
+          <a:lstStyle/>
+          <a:p>
+            <a:pPr algn="ctr">
+              <a:lnSpc>
+                <a:spcPts val="4479"/>
+              </a:lnSpc>
+              <a:spcBef>
+                <a:spcPct val="0"/>
+              </a:spcBef>
+            </a:pPr>
+            <a:r>
+              <a:rPr lang="en-US" sz="2799">
+                <a:solidFill>
+                  <a:srgbClr val="FFFFFF"/>
+                </a:solidFill>
+                <a:latin typeface="Poppins Light"/>
+              </a:rPr>
+              <a:t>Javascript</a:t>
+            </a:r>
+          </a:p>
+        </p:txBody>
+      </p:sp>
+      <p:grpSp>
+        <p:nvGrpSpPr>
+          <p:cNvPr id="24" name="Group 24"/>
+          <p:cNvGrpSpPr/>
+          <p:nvPr/>
+        </p:nvGrpSpPr>
+        <p:grpSpPr>
+          <a:xfrm>
+            <a:off x="6782761" y="7747797"/>
+            <a:ext cx="162052" cy="162052"/>
+            <a:chOff x="0" y="0"/>
+            <a:chExt cx="6350000" cy="6350000"/>
+          </a:xfrm>
+        </p:grpSpPr>
+        <p:sp>
+          <p:nvSpPr>
+            <p:cNvPr id="25" name="Freeform 25"/>
+            <p:cNvSpPr/>
+            <p:nvPr/>
+          </p:nvSpPr>
+          <p:spPr>
+            <a:xfrm>
+              <a:off x="0" y="0"/>
+              <a:ext cx="6350000" cy="6350000"/>
+            </a:xfrm>
+            <a:custGeom>
+              <a:avLst/>
+              <a:gdLst/>
+              <a:ahLst/>
+              <a:cxnLst/>
+              <a:rect l="l" t="t" r="r" b="b"/>
+              <a:pathLst>
+                <a:path w="6350000" h="6350000">
+                  <a:moveTo>
+                    <a:pt x="3175000" y="0"/>
+                  </a:moveTo>
+                  <a:cubicBezTo>
+                    <a:pt x="1421496" y="0"/>
+                    <a:pt x="0" y="1421496"/>
+                    <a:pt x="0" y="3175000"/>
+                  </a:cubicBezTo>
+                  <a:cubicBezTo>
+                    <a:pt x="0" y="4928504"/>
+                    <a:pt x="1421496" y="6350000"/>
+                    <a:pt x="3175000" y="6350000"/>
+                  </a:cubicBezTo>
+                  <a:cubicBezTo>
+                    <a:pt x="4928504" y="6350000"/>
+                    <a:pt x="6350000" y="4928504"/>
+                    <a:pt x="6350000" y="3175000"/>
+                  </a:cubicBezTo>
+                  <a:cubicBezTo>
+                    <a:pt x="6350000" y="1421496"/>
+                    <a:pt x="4928504" y="0"/>
+                    <a:pt x="3175000" y="0"/>
+                  </a:cubicBezTo>
+                  <a:close/>
+                </a:path>
+              </a:pathLst>
+            </a:custGeom>
+            <a:solidFill>
+              <a:srgbClr val="009444"/>
+            </a:solidFill>
+          </p:spPr>
+        </p:sp>
+      </p:grpSp>
+      <p:grpSp>
+        <p:nvGrpSpPr>
+          <p:cNvPr id="26" name="Group 26"/>
+          <p:cNvGrpSpPr/>
+          <p:nvPr/>
+        </p:nvGrpSpPr>
+        <p:grpSpPr>
+          <a:xfrm>
+            <a:off x="6782761" y="8349913"/>
+            <a:ext cx="162052" cy="162052"/>
+            <a:chOff x="0" y="0"/>
+            <a:chExt cx="6350000" cy="6350000"/>
+          </a:xfrm>
+        </p:grpSpPr>
+        <p:sp>
+          <p:nvSpPr>
+            <p:cNvPr id="27" name="Freeform 27"/>
+            <p:cNvSpPr/>
+            <p:nvPr/>
+          </p:nvSpPr>
+          <p:spPr>
+            <a:xfrm>
+              <a:off x="0" y="0"/>
+              <a:ext cx="6350000" cy="6350000"/>
+            </a:xfrm>
+            <a:custGeom>
+              <a:avLst/>
+              <a:gdLst/>
+              <a:ahLst/>
+              <a:cxnLst/>
+              <a:rect l="l" t="t" r="r" b="b"/>
+              <a:pathLst>
+                <a:path w="6350000" h="6350000">
+                  <a:moveTo>
+                    <a:pt x="3175000" y="0"/>
+                  </a:moveTo>
+                  <a:cubicBezTo>
+                    <a:pt x="1421496" y="0"/>
+                    <a:pt x="0" y="1421496"/>
+                    <a:pt x="0" y="3175000"/>
+                  </a:cubicBezTo>
+                  <a:cubicBezTo>
+                    <a:pt x="0" y="4928504"/>
+                    <a:pt x="1421496" y="6350000"/>
+                    <a:pt x="3175000" y="6350000"/>
+                  </a:cubicBezTo>
+                  <a:cubicBezTo>
+                    <a:pt x="4928504" y="6350000"/>
+                    <a:pt x="6350000" y="4928504"/>
+                    <a:pt x="6350000" y="3175000"/>
+                  </a:cubicBezTo>
+                  <a:cubicBezTo>
+                    <a:pt x="6350000" y="1421496"/>
+                    <a:pt x="4928504" y="0"/>
+                    <a:pt x="3175000" y="0"/>
+                  </a:cubicBezTo>
+                  <a:close/>
+                </a:path>
+              </a:pathLst>
+            </a:custGeom>
+            <a:solidFill>
+              <a:srgbClr val="009444"/>
+            </a:solidFill>
+          </p:spPr>
+        </p:sp>
+      </p:grpSp>
+      <p:grpSp>
+        <p:nvGrpSpPr>
+          <p:cNvPr id="28" name="Group 28"/>
+          <p:cNvGrpSpPr/>
+          <p:nvPr/>
+        </p:nvGrpSpPr>
+        <p:grpSpPr>
+          <a:xfrm>
+            <a:off x="6782761" y="8952029"/>
+            <a:ext cx="162052" cy="162052"/>
+            <a:chOff x="0" y="0"/>
+            <a:chExt cx="6350000" cy="6350000"/>
+          </a:xfrm>
+        </p:grpSpPr>
+        <p:sp>
+          <p:nvSpPr>
+            <p:cNvPr id="29" name="Freeform 29"/>
+            <p:cNvSpPr/>
+            <p:nvPr/>
+          </p:nvSpPr>
+          <p:spPr>
+            <a:xfrm>
+              <a:off x="0" y="0"/>
+              <a:ext cx="6350000" cy="6350000"/>
+            </a:xfrm>
+            <a:custGeom>
+              <a:avLst/>
+              <a:gdLst/>
+              <a:ahLst/>
+              <a:cxnLst/>
+              <a:rect l="l" t="t" r="r" b="b"/>
+              <a:pathLst>
+                <a:path w="6350000" h="6350000">
+                  <a:moveTo>
+                    <a:pt x="3175000" y="0"/>
+                  </a:moveTo>
+                  <a:cubicBezTo>
+                    <a:pt x="1421496" y="0"/>
+                    <a:pt x="0" y="1421496"/>
+                    <a:pt x="0" y="3175000"/>
+                  </a:cubicBezTo>
+                  <a:cubicBezTo>
+                    <a:pt x="0" y="4928504"/>
+                    <a:pt x="1421496" y="6350000"/>
+                    <a:pt x="3175000" y="6350000"/>
+                  </a:cubicBezTo>
+                  <a:cubicBezTo>
+                    <a:pt x="4928504" y="6350000"/>
+                    <a:pt x="6350000" y="4928504"/>
+                    <a:pt x="6350000" y="3175000"/>
+                  </a:cubicBezTo>
+                  <a:cubicBezTo>
+                    <a:pt x="6350000" y="1421496"/>
+                    <a:pt x="4928504" y="0"/>
+                    <a:pt x="3175000" y="0"/>
+                  </a:cubicBezTo>
+                  <a:close/>
+                </a:path>
+              </a:pathLst>
+            </a:custGeom>
+            <a:solidFill>
+              <a:srgbClr val="009444"/>
+            </a:solidFill>
+          </p:spPr>
+        </p:sp>
+      </p:grpSp>
+      <p:sp>
+        <p:nvSpPr>
+          <p:cNvPr id="30" name="TextBox 30"/>
+          <p:cNvSpPr txBox="1"/>
+          <p:nvPr/>
+        </p:nvSpPr>
+        <p:spPr>
+          <a:xfrm>
+            <a:off x="7432445" y="7485605"/>
+            <a:ext cx="875467" cy="577081"/>
+          </a:xfrm>
+          <a:prstGeom prst="rect">
+            <a:avLst/>
+          </a:prstGeom>
+        </p:spPr>
+        <p:txBody>
+          <a:bodyPr wrap="square" lIns="0" tIns="0" rIns="0" bIns="0" rtlCol="0" anchor="t">
+            <a:spAutoFit/>
+          </a:bodyPr>
+          <a:lstStyle/>
+          <a:p>
+            <a:pPr algn="ctr">
+              <a:lnSpc>
+                <a:spcPts val="4479"/>
+              </a:lnSpc>
+              <a:spcBef>
+                <a:spcPct val="0"/>
+              </a:spcBef>
+            </a:pPr>
+            <a:r>
+              <a:rPr lang="en-US" sz="2799" dirty="0">
+                <a:solidFill>
+                  <a:srgbClr val="FFFFFF"/>
+                </a:solidFill>
+                <a:latin typeface="Poppins Light"/>
+              </a:rPr>
+              <a:t>C++</a:t>
+            </a:r>
+          </a:p>
+        </p:txBody>
+      </p:sp>
+      <p:sp>
+        <p:nvSpPr>
+          <p:cNvPr id="31" name="TextBox 31"/>
+          <p:cNvSpPr txBox="1"/>
+          <p:nvPr/>
+        </p:nvSpPr>
+        <p:spPr>
+          <a:xfrm>
+            <a:off x="7429588" y="8104504"/>
+            <a:ext cx="878324" cy="577081"/>
+          </a:xfrm>
+          <a:prstGeom prst="rect">
+            <a:avLst/>
+          </a:prstGeom>
+        </p:spPr>
+        <p:txBody>
+          <a:bodyPr wrap="square" lIns="0" tIns="0" rIns="0" bIns="0" rtlCol="0" anchor="t">
+            <a:spAutoFit/>
+          </a:bodyPr>
+          <a:lstStyle/>
+          <a:p>
+            <a:pPr algn="ctr">
+              <a:lnSpc>
+                <a:spcPts val="4479"/>
+              </a:lnSpc>
+              <a:spcBef>
+                <a:spcPct val="0"/>
+              </a:spcBef>
+            </a:pPr>
+            <a:r>
+              <a:rPr lang="en-US" sz="2799" dirty="0">
+                <a:solidFill>
+                  <a:srgbClr val="FFFFFF"/>
+                </a:solidFill>
+                <a:latin typeface="Poppins Light"/>
+              </a:rPr>
+              <a:t>PHP</a:t>
+            </a:r>
+          </a:p>
+        </p:txBody>
+      </p:sp>
+      <p:sp>
+        <p:nvSpPr>
+          <p:cNvPr id="32" name="TextBox 32"/>
+          <p:cNvSpPr txBox="1"/>
+          <p:nvPr/>
+        </p:nvSpPr>
+        <p:spPr>
+          <a:xfrm>
+            <a:off x="7296590" y="8723403"/>
+            <a:ext cx="1181012" cy="577081"/>
+          </a:xfrm>
+          <a:prstGeom prst="rect">
+            <a:avLst/>
+          </a:prstGeom>
+        </p:spPr>
+        <p:txBody>
+          <a:bodyPr wrap="square" lIns="0" tIns="0" rIns="0" bIns="0" rtlCol="0" anchor="t">
+            <a:spAutoFit/>
+          </a:bodyPr>
+          <a:lstStyle/>
+          <a:p>
+            <a:pPr algn="ctr">
+              <a:lnSpc>
+                <a:spcPts val="4479"/>
+              </a:lnSpc>
+              <a:spcBef>
+                <a:spcPct val="0"/>
+              </a:spcBef>
+            </a:pPr>
+            <a:r>
+              <a:rPr lang="en-US" sz="2799" dirty="0">
+                <a:solidFill>
+                  <a:srgbClr val="FFFFFF"/>
+                </a:solidFill>
+                <a:latin typeface="Poppins Light"/>
+              </a:rPr>
+              <a:t>JAVA</a:t>
             </a:r>
           </a:p>
         </p:txBody>
@@ -4012,14 +5298,47 @@
               </a:lnSpc>
             </a:pPr>
             <a:r>
-              <a:rPr lang="en-US" sz="2799">
+              <a:rPr lang="en-US" sz="2799" dirty="0" err="1" smtClean="0">
                 <a:solidFill>
                   <a:srgbClr val="FFFFFF"/>
                 </a:solidFill>
                 <a:latin typeface="Poppins Light"/>
               </a:rPr>
-              <a:t>Backend qismi.</a:t>
-            </a:r>
+              <a:t>Ma’lumotlar</a:t>
+            </a:r>
+            <a:r>
+              <a:rPr lang="en-US" sz="2799" dirty="0" smtClean="0">
+                <a:solidFill>
+                  <a:srgbClr val="FFFFFF"/>
+                </a:solidFill>
+                <a:latin typeface="Poppins Light"/>
+              </a:rPr>
+              <a:t> </a:t>
+            </a:r>
+            <a:r>
+              <a:rPr lang="en-US" sz="2799" dirty="0" err="1" smtClean="0">
+                <a:solidFill>
+                  <a:srgbClr val="FFFFFF"/>
+                </a:solidFill>
+                <a:latin typeface="Poppins Light"/>
+              </a:rPr>
+              <a:t>bazasi</a:t>
+            </a:r>
+            <a:r>
+              <a:rPr lang="en-US" sz="2799" dirty="0" smtClean="0">
+                <a:solidFill>
+                  <a:srgbClr val="FFFFFF"/>
+                </a:solidFill>
+                <a:latin typeface="Poppins Light"/>
+              </a:rPr>
+              <a:t>.</a:t>
+            </a:r>
+            <a:endParaRPr lang="en-US" sz="2799" dirty="0">
+              <a:solidFill>
+                <a:srgbClr val="FFFFFF"/>
+              </a:solidFill>
+              <a:latin typeface="Poppins Light"/>
+            </a:endParaRPr>
           </a:p>
         </p:txBody>
       </p:sp>
@@ -5463,13 +6782,364 @@
                 </a:lnSpc>
               </a:pPr>
               <a:r>
-                <a:rPr lang="en-US" sz="2200">
+                <a:rPr lang="en-US" sz="2200" dirty="0" err="1">
                   <a:solidFill>
                     <a:srgbClr val="FFFFFF"/>
                   </a:solidFill>
                   <a:latin typeface="Barlow Light"/>
                 </a:rPr>
-                <a:t>Oddiy kasb-hunardan tortib, zamonaviy kasb-hunarlar bo’yicha  ishchi topish mumkin. Oddiy inson ham, imkoniyati cheklangan inson ham bu platformada o’z ishlarini ko’rsatishi mumkin.</a:t>
+                <a:t>Oddiy</a:t>
+              </a:r>
+              <a:r>
+                <a:rPr lang="en-US" sz="2200" dirty="0">
+                  <a:solidFill>
+                    <a:srgbClr val="FFFFFF"/>
+                  </a:solidFill>
+                  <a:latin typeface="Barlow Light"/>
+                </a:rPr>
+                <a:t> </a:t>
+              </a:r>
+              <a:r>
+                <a:rPr lang="en-US" sz="2200" dirty="0" err="1">
+                  <a:solidFill>
+                    <a:srgbClr val="FFFFFF"/>
+                  </a:solidFill>
+                  <a:latin typeface="Barlow Light"/>
+                </a:rPr>
+                <a:t>kasb-hunardan</a:t>
+              </a:r>
+              <a:r>
+                <a:rPr lang="en-US" sz="2200" dirty="0">
+                  <a:solidFill>
+                    <a:srgbClr val="FFFFFF"/>
+                  </a:solidFill>
+                  <a:latin typeface="Barlow Light"/>
+                </a:rPr>
+                <a:t> </a:t>
+              </a:r>
+              <a:r>
+                <a:rPr lang="en-US" sz="2200" dirty="0" err="1">
+                  <a:solidFill>
+                    <a:srgbClr val="FFFFFF"/>
+                  </a:solidFill>
+                  <a:latin typeface="Barlow Light"/>
+                </a:rPr>
+                <a:t>tortib</a:t>
+              </a:r>
+              <a:r>
+                <a:rPr lang="en-US" sz="2200" dirty="0">
+                  <a:solidFill>
+                    <a:srgbClr val="FFFFFF"/>
+                  </a:solidFill>
+                  <a:latin typeface="Barlow Light"/>
+                </a:rPr>
+                <a:t>, </a:t>
+              </a:r>
+              <a:r>
+                <a:rPr lang="en-US" sz="2200" dirty="0" err="1">
+                  <a:solidFill>
+                    <a:srgbClr val="FFFFFF"/>
+                  </a:solidFill>
+                  <a:latin typeface="Barlow Light"/>
+                </a:rPr>
+                <a:t>zamonaviy</a:t>
+              </a:r>
+              <a:r>
+                <a:rPr lang="en-US" sz="2200" dirty="0">
+                  <a:solidFill>
+                    <a:srgbClr val="FFFFFF"/>
+                  </a:solidFill>
+                  <a:latin typeface="Barlow Light"/>
+                </a:rPr>
+                <a:t> </a:t>
+              </a:r>
+              <a:r>
+                <a:rPr lang="en-US" sz="2200" dirty="0" err="1">
+                  <a:solidFill>
+                    <a:srgbClr val="FFFFFF"/>
+                  </a:solidFill>
+                  <a:latin typeface="Barlow Light"/>
+                </a:rPr>
+                <a:t>kasb-hunarlar</a:t>
+              </a:r>
+              <a:r>
+                <a:rPr lang="en-US" sz="2200" dirty="0">
+                  <a:solidFill>
+                    <a:srgbClr val="FFFFFF"/>
+                  </a:solidFill>
+                  <a:latin typeface="Barlow Light"/>
+                </a:rPr>
+                <a:t> </a:t>
+              </a:r>
+              <a:r>
+                <a:rPr lang="en-US" sz="2200" dirty="0" err="1">
+                  <a:solidFill>
+                    <a:srgbClr val="FFFFFF"/>
+                  </a:solidFill>
+                  <a:latin typeface="Barlow Light"/>
+                </a:rPr>
+                <a:t>bo’yicha</a:t>
+              </a:r>
+              <a:r>
+                <a:rPr lang="en-US" sz="2200" dirty="0">
+                  <a:solidFill>
+                    <a:srgbClr val="FFFFFF"/>
+                  </a:solidFill>
+                  <a:latin typeface="Barlow Light"/>
+                </a:rPr>
+                <a:t>  </a:t>
+              </a:r>
+              <a:r>
+                <a:rPr lang="en-US" sz="2200" dirty="0" err="1">
+                  <a:solidFill>
+                    <a:srgbClr val="FFFFFF"/>
+                  </a:solidFill>
+                  <a:latin typeface="Barlow Light"/>
+                </a:rPr>
+                <a:t>ishchi</a:t>
+              </a:r>
+              <a:r>
+                <a:rPr lang="en-US" sz="2200" dirty="0">
+                  <a:solidFill>
+                    <a:srgbClr val="FFFFFF"/>
+                  </a:solidFill>
+                  <a:latin typeface="Barlow Light"/>
+                </a:rPr>
+                <a:t> </a:t>
+              </a:r>
+              <a:r>
+                <a:rPr lang="en-US" sz="2200" dirty="0" err="1">
+                  <a:solidFill>
+                    <a:srgbClr val="FFFFFF"/>
+                  </a:solidFill>
+                  <a:latin typeface="Barlow Light"/>
+                </a:rPr>
+                <a:t>topish</a:t>
+              </a:r>
+              <a:r>
+                <a:rPr lang="en-US" sz="2200" dirty="0">
+                  <a:solidFill>
+                    <a:srgbClr val="FFFFFF"/>
+                  </a:solidFill>
+                  <a:latin typeface="Barlow Light"/>
+                </a:rPr>
+                <a:t> </a:t>
+              </a:r>
+              <a:r>
+                <a:rPr lang="en-US" sz="2200" dirty="0" err="1">
+                  <a:solidFill>
+                    <a:srgbClr val="FFFFFF"/>
+                  </a:solidFill>
+                  <a:latin typeface="Barlow Light"/>
+                </a:rPr>
+                <a:t>mumkin</a:t>
+              </a:r>
+              <a:r>
+                <a:rPr lang="en-US" sz="2200" dirty="0">
+                  <a:solidFill>
+                    <a:srgbClr val="FFFFFF"/>
+                  </a:solidFill>
+                  <a:latin typeface="Barlow Light"/>
+                </a:rPr>
+                <a:t>. </a:t>
+              </a:r>
+              <a:r>
+                <a:rPr lang="en-US" sz="2200" dirty="0" err="1">
+                  <a:solidFill>
+                    <a:srgbClr val="FFFFFF"/>
+                  </a:solidFill>
+                  <a:latin typeface="Barlow Light"/>
+                </a:rPr>
+                <a:t>Oddiy</a:t>
+              </a:r>
+              <a:r>
+                <a:rPr lang="en-US" sz="2200" dirty="0">
+                  <a:solidFill>
+                    <a:srgbClr val="FFFFFF"/>
+                  </a:solidFill>
+                  <a:latin typeface="Barlow Light"/>
+                </a:rPr>
+                <a:t> </a:t>
+              </a:r>
+              <a:r>
+                <a:rPr lang="en-US" sz="2200" dirty="0" err="1">
+                  <a:solidFill>
+                    <a:srgbClr val="FFFFFF"/>
+                  </a:solidFill>
+                  <a:latin typeface="Barlow Light"/>
+                </a:rPr>
+                <a:t>inson</a:t>
+              </a:r>
+              <a:r>
+                <a:rPr lang="en-US" sz="2200" dirty="0">
+                  <a:solidFill>
+                    <a:srgbClr val="FFFFFF"/>
+                  </a:solidFill>
+                  <a:latin typeface="Barlow Light"/>
+                </a:rPr>
+                <a:t> ham, </a:t>
+              </a:r>
+              <a:r>
+                <a:rPr lang="en-US" sz="2200" dirty="0" err="1">
+                  <a:solidFill>
+                    <a:srgbClr val="FFFFFF"/>
+                  </a:solidFill>
+                  <a:latin typeface="Barlow Light"/>
+                </a:rPr>
+                <a:t>imkoniyati</a:t>
+              </a:r>
+              <a:r>
+                <a:rPr lang="en-US" sz="2200" dirty="0">
+                  <a:solidFill>
+                    <a:srgbClr val="FFFFFF"/>
+                  </a:solidFill>
+                  <a:latin typeface="Barlow Light"/>
+                </a:rPr>
+                <a:t> </a:t>
+              </a:r>
+              <a:r>
+                <a:rPr lang="en-US" sz="2200" dirty="0" err="1">
+                  <a:solidFill>
+                    <a:srgbClr val="FFFFFF"/>
+                  </a:solidFill>
+                  <a:latin typeface="Barlow Light"/>
+                </a:rPr>
+                <a:t>cheklangan</a:t>
+              </a:r>
+              <a:r>
+                <a:rPr lang="en-US" sz="2200" dirty="0">
+                  <a:solidFill>
+                    <a:srgbClr val="FFFFFF"/>
+                  </a:solidFill>
+                  <a:latin typeface="Barlow Light"/>
+                </a:rPr>
+                <a:t> </a:t>
+              </a:r>
+              <a:r>
+                <a:rPr lang="en-US" sz="2200" dirty="0" err="1">
+                  <a:solidFill>
+                    <a:srgbClr val="FFFFFF"/>
+                  </a:solidFill>
+                  <a:latin typeface="Barlow Light"/>
+                </a:rPr>
+                <a:t>inson</a:t>
+              </a:r>
+              <a:r>
+                <a:rPr lang="en-US" sz="2200" dirty="0">
+                  <a:solidFill>
+                    <a:srgbClr val="FFFFFF"/>
+                  </a:solidFill>
+                  <a:latin typeface="Barlow Light"/>
+                </a:rPr>
+                <a:t> ham </a:t>
+              </a:r>
+              <a:r>
+                <a:rPr lang="en-US" sz="2200" dirty="0" err="1">
+                  <a:solidFill>
+                    <a:srgbClr val="FFFFFF"/>
+                  </a:solidFill>
+                  <a:latin typeface="Barlow Light"/>
+                </a:rPr>
+                <a:t>bu</a:t>
+              </a:r>
+              <a:r>
+                <a:rPr lang="en-US" sz="2200" dirty="0">
+                  <a:solidFill>
+                    <a:srgbClr val="FFFFFF"/>
+                  </a:solidFill>
+                  <a:latin typeface="Barlow Light"/>
+                </a:rPr>
+                <a:t> </a:t>
+              </a:r>
+              <a:r>
+                <a:rPr lang="en-US" sz="2200" dirty="0" err="1">
+                  <a:solidFill>
+                    <a:srgbClr val="FFFFFF"/>
+                  </a:solidFill>
+                  <a:latin typeface="Barlow Light"/>
+                </a:rPr>
+                <a:t>platformada</a:t>
+              </a:r>
+              <a:r>
+                <a:rPr lang="en-US" sz="2200" dirty="0">
+                  <a:solidFill>
+                    <a:srgbClr val="FFFFFF"/>
+                  </a:solidFill>
+                  <a:latin typeface="Barlow Light"/>
+                </a:rPr>
+                <a:t> </a:t>
+              </a:r>
+              <a:r>
+                <a:rPr lang="en-US" sz="2200" dirty="0" err="1">
+                  <a:solidFill>
+                    <a:srgbClr val="FFFFFF"/>
+                  </a:solidFill>
+                  <a:latin typeface="Barlow Light"/>
+                </a:rPr>
+                <a:t>o’z</a:t>
+              </a:r>
+              <a:r>
+                <a:rPr lang="en-US" sz="2200" dirty="0">
+                  <a:solidFill>
+                    <a:srgbClr val="FFFFFF"/>
+                  </a:solidFill>
+                  <a:latin typeface="Barlow Light"/>
+                </a:rPr>
+                <a:t> </a:t>
+              </a:r>
+              <a:r>
+                <a:rPr lang="en-US" sz="2200" dirty="0" err="1">
+                  <a:solidFill>
+                    <a:srgbClr val="FFFFFF"/>
+                  </a:solidFill>
+                  <a:latin typeface="Barlow Light"/>
+                </a:rPr>
+                <a:t>ishlarini</a:t>
+              </a:r>
+              <a:r>
+                <a:rPr lang="en-US" sz="2200" dirty="0">
+                  <a:solidFill>
+                    <a:srgbClr val="FFFFFF"/>
+                  </a:solidFill>
+                  <a:latin typeface="Barlow Light"/>
+                </a:rPr>
+                <a:t> </a:t>
+              </a:r>
+              <a:r>
+                <a:rPr lang="en-US" sz="2200" dirty="0" err="1">
+                  <a:solidFill>
+                    <a:srgbClr val="FFFFFF"/>
+                  </a:solidFill>
+                  <a:latin typeface="Barlow Light"/>
+                </a:rPr>
+                <a:t>ko’rsatishi</a:t>
+              </a:r>
+              <a:r>
+                <a:rPr lang="en-US" sz="2200" dirty="0">
+                  <a:solidFill>
+                    <a:srgbClr val="FFFFFF"/>
+                  </a:solidFill>
+                  <a:latin typeface="Barlow Light"/>
+                </a:rPr>
+                <a:t> </a:t>
+              </a:r>
+              <a:r>
+                <a:rPr lang="en-US" sz="2200" dirty="0" err="1">
+                  <a:solidFill>
+                    <a:srgbClr val="FFFFFF"/>
+                  </a:solidFill>
+                  <a:latin typeface="Barlow Light"/>
+                </a:rPr>
+                <a:t>mumkin</a:t>
+              </a:r>
+              <a:r>
+                <a:rPr lang="en-US" sz="2200" dirty="0">
+                  <a:solidFill>
+                    <a:srgbClr val="FFFFFF"/>
+                  </a:solidFill>
+                  <a:latin typeface="Barlow Light"/>
+                </a:rPr>
+                <a:t>.</a:t>
               </a:r>
             </a:p>
           </p:txBody>
@@ -5607,13 +7277,22 @@
                 </a:lnSpc>
               </a:pPr>
               <a:r>
-                <a:rPr lang="en-US" sz="7400">
+                <a:rPr lang="en-US" sz="7400" dirty="0" err="1">
                   <a:solidFill>
                     <a:srgbClr val="FFFFFF"/>
                   </a:solidFill>
                   <a:latin typeface="Barlow Condensed Bold"/>
                 </a:rPr>
-                <a:t>Yechimlar:</a:t>
+                <a:t>Yechimlar</a:t>
+              </a:r>
+              <a:r>
+                <a:rPr lang="en-US" sz="7400" dirty="0">
+                  <a:solidFill>
+                    <a:srgbClr val="FFFFFF"/>
+                  </a:solidFill>
+                  <a:latin typeface="Barlow Condensed Bold"/>
+                </a:rPr>
+                <a:t>:</a:t>
               </a:r>
             </a:p>
           </p:txBody>
@@ -5694,847 +7373,6 @@
           <a:chExt cx="0" cy="0"/>
         </a:xfrm>
       </p:grpSpPr>
-      <p:graphicFrame>
-        <p:nvGraphicFramePr>
-          <p:cNvPr id="2" name="Table 2"/>
-          <p:cNvGraphicFramePr>
-            <a:graphicFrameLocks noGrp="1"/>
-          </p:cNvGraphicFramePr>
-          <p:nvPr>
-            <p:extLst>
-              <p:ext uri="{D42A27DB-BD31-4B8C-83A1-F6EECF244321}">
-                <p14:modId xmlns:p14="http://schemas.microsoft.com/office/powerpoint/2010/main" val="1922672739"/>
-              </p:ext>
-            </p:extLst>
-          </p:nvPr>
-        </p:nvGraphicFramePr>
-        <p:xfrm>
-          <a:off x="856427" y="1390650"/>
-          <a:ext cx="6502400" cy="7135562"/>
-        </p:xfrm>
-        <a:graphic>
-          <a:graphicData uri="http://schemas.openxmlformats.org/drawingml/2006/table">
-            <a:tbl>
-              <a:tblPr/>
-              <a:tblGrid>
-                <a:gridCol w="3251200"/>
-                <a:gridCol w="3251200"/>
-              </a:tblGrid>
-              <a:tr h="1170474">
-                <a:tc>
-                  <a:txBody>
-                    <a:bodyPr/>
-                    <a:lstStyle/>
-                    <a:p>
-                      <a:pPr algn="l">
-                        <a:lnSpc>
-                          <a:spcPts val="4480"/>
-                        </a:lnSpc>
-                        <a:defRPr/>
-                      </a:pPr>
-                      <a:endParaRPr lang="en-US" sz="1100" dirty="0"/>
-                    </a:p>
-                  </a:txBody>
-                  <a:tcPr marL="190500" marR="190500" marT="190500" marB="190500" anchor="ctr">
-                    <a:lnL w="25400" cap="flat" cmpd="sng" algn="ctr">
-                      <a:solidFill>
-                        <a:srgbClr val="FFFFFF"/>
-                      </a:solidFill>
-                      <a:prstDash val="solid"/>
-                      <a:round/>
-                      <a:headEnd type="none" w="med" len="med"/>
-                      <a:tailEnd type="none" w="med" len="med"/>
-                    </a:lnL>
-                    <a:lnR w="25400" cap="flat" cmpd="sng" algn="ctr">
-                      <a:solidFill>
-                        <a:srgbClr val="FFFFFF"/>
-                      </a:solidFill>
-                      <a:prstDash val="solid"/>
-                      <a:round/>
-                      <a:headEnd type="none" w="med" len="med"/>
-                      <a:tailEnd type="none" w="med" len="med"/>
-                    </a:lnR>
-                    <a:lnT w="25400" cap="flat" cmpd="sng" algn="ctr">
-                      <a:solidFill>
-                        <a:srgbClr val="FFFFFF"/>
-                      </a:solidFill>
-                      <a:prstDash val="solid"/>
-                      <a:round/>
-                      <a:headEnd type="none" w="med" len="med"/>
-                      <a:tailEnd type="none" w="med" len="med"/>
-                    </a:lnT>
-                    <a:lnB w="25400" cap="flat" cmpd="sng" algn="ctr">
-                      <a:solidFill>
-                        <a:srgbClr val="FFFFFF"/>
-                      </a:solidFill>
-                      <a:prstDash val="solid"/>
-                      <a:round/>
-                      <a:headEnd type="none" w="med" len="med"/>
-                      <a:tailEnd type="none" w="med" len="med"/>
-                    </a:lnB>
-                  </a:tcPr>
-                </a:tc>
-                <a:tc>
-                  <a:txBody>
-                    <a:bodyPr/>
-                    <a:lstStyle/>
-                    <a:p>
-                      <a:pPr algn="l">
-                        <a:lnSpc>
-                          <a:spcPts val="4900"/>
-                        </a:lnSpc>
-                        <a:defRPr/>
-                      </a:pPr>
-                      <a:r>
-                        <a:rPr lang="en-US" sz="3500">
-                          <a:solidFill>
-                            <a:srgbClr val="FFFFFF"/>
-                          </a:solidFill>
-                          <a:latin typeface="Poppins"/>
-                        </a:rPr>
-                        <a:t>Harajatlar</a:t>
-                      </a:r>
-                      <a:endParaRPr lang="en-US" sz="1100"/>
-                    </a:p>
-                  </a:txBody>
-                  <a:tcPr marL="190500" marR="190500" marT="190500" marB="190500" anchor="ctr">
-                    <a:lnL w="25400" cap="flat" cmpd="sng" algn="ctr">
-                      <a:solidFill>
-                        <a:srgbClr val="FFFFFF"/>
-                      </a:solidFill>
-                      <a:prstDash val="solid"/>
-                      <a:round/>
-                      <a:headEnd type="none" w="med" len="med"/>
-                      <a:tailEnd type="none" w="med" len="med"/>
-                    </a:lnL>
-                    <a:lnR w="25400" cap="flat" cmpd="sng" algn="ctr">
-                      <a:solidFill>
-                        <a:srgbClr val="FFFFFF"/>
-                      </a:solidFill>
-                      <a:prstDash val="solid"/>
-                      <a:round/>
-                      <a:headEnd type="none" w="med" len="med"/>
-                      <a:tailEnd type="none" w="med" len="med"/>
-                    </a:lnR>
-                    <a:lnT w="25400" cap="flat" cmpd="sng" algn="ctr">
-                      <a:solidFill>
-                        <a:srgbClr val="FFFFFF"/>
-                      </a:solidFill>
-                      <a:prstDash val="solid"/>
-                      <a:round/>
-                      <a:headEnd type="none" w="med" len="med"/>
-                      <a:tailEnd type="none" w="med" len="med"/>
-                    </a:lnT>
-                    <a:lnB w="25400" cap="flat" cmpd="sng" algn="ctr">
-                      <a:solidFill>
-                        <a:srgbClr val="FFFFFF"/>
-                      </a:solidFill>
-                      <a:prstDash val="solid"/>
-                      <a:round/>
-                      <a:headEnd type="none" w="med" len="med"/>
-                      <a:tailEnd type="none" w="med" len="med"/>
-                    </a:lnB>
-                  </a:tcPr>
-                </a:tc>
-              </a:tr>
-              <a:tr h="1144464">
-                <a:tc>
-                  <a:txBody>
-                    <a:bodyPr/>
-                    <a:lstStyle/>
-                    <a:p>
-                      <a:pPr algn="l">
-                        <a:lnSpc>
-                          <a:spcPts val="4759"/>
-                        </a:lnSpc>
-                        <a:defRPr/>
-                      </a:pPr>
-                      <a:r>
-                        <a:rPr lang="en-US" sz="3400">
-                          <a:solidFill>
-                            <a:srgbClr val="FFFFFF"/>
-                          </a:solidFill>
-                          <a:latin typeface="Poppins"/>
-                        </a:rPr>
-                        <a:t>Dizayner</a:t>
-                      </a:r>
-                      <a:endParaRPr lang="en-US" sz="1100"/>
-                    </a:p>
-                  </a:txBody>
-                  <a:tcPr marL="190500" marR="190500" marT="190500" marB="190500" anchor="ctr">
-                    <a:lnL w="25400" cap="flat" cmpd="sng" algn="ctr">
-                      <a:solidFill>
-                        <a:srgbClr val="FFFFFF"/>
-                      </a:solidFill>
-                      <a:prstDash val="solid"/>
-                      <a:round/>
-                      <a:headEnd type="none" w="med" len="med"/>
-                      <a:tailEnd type="none" w="med" len="med"/>
-                    </a:lnL>
-                    <a:lnR w="25400" cap="flat" cmpd="sng" algn="ctr">
-                      <a:solidFill>
-                        <a:srgbClr val="FFFFFF"/>
-                      </a:solidFill>
-                      <a:prstDash val="solid"/>
-                      <a:round/>
-                      <a:headEnd type="none" w="med" len="med"/>
-                      <a:tailEnd type="none" w="med" len="med"/>
-                    </a:lnR>
-                    <a:lnT w="25400" cap="flat" cmpd="sng" algn="ctr">
-                      <a:solidFill>
-                        <a:srgbClr val="FFFFFF"/>
-                      </a:solidFill>
-                      <a:prstDash val="solid"/>
-                      <a:round/>
-                      <a:headEnd type="none" w="med" len="med"/>
-                      <a:tailEnd type="none" w="med" len="med"/>
-                    </a:lnT>
-                    <a:lnB w="25400" cap="flat" cmpd="sng" algn="ctr">
-                      <a:solidFill>
-                        <a:srgbClr val="FFFFFF"/>
-                      </a:solidFill>
-                      <a:prstDash val="solid"/>
-                      <a:round/>
-                      <a:headEnd type="none" w="med" len="med"/>
-                      <a:tailEnd type="none" w="med" len="med"/>
-                    </a:lnB>
-                  </a:tcPr>
-                </a:tc>
-                <a:tc>
-                  <a:txBody>
-                    <a:bodyPr/>
-                    <a:lstStyle/>
-                    <a:p>
-                      <a:pPr algn="l">
-                        <a:lnSpc>
-                          <a:spcPts val="4759"/>
-                        </a:lnSpc>
-                        <a:defRPr/>
-                      </a:pPr>
-                      <a:r>
-                        <a:rPr lang="en-US" sz="3400">
-                          <a:solidFill>
-                            <a:srgbClr val="FFFFFF"/>
-                          </a:solidFill>
-                          <a:latin typeface="Poppins"/>
-                        </a:rPr>
-                        <a:t>500$</a:t>
-                      </a:r>
-                      <a:endParaRPr lang="en-US" sz="1100"/>
-                    </a:p>
-                  </a:txBody>
-                  <a:tcPr marL="190500" marR="190500" marT="190500" marB="190500" anchor="ctr">
-                    <a:lnL w="25400" cap="flat" cmpd="sng" algn="ctr">
-                      <a:solidFill>
-                        <a:srgbClr val="FFFFFF"/>
-                      </a:solidFill>
-                      <a:prstDash val="solid"/>
-                      <a:round/>
-                      <a:headEnd type="none" w="med" len="med"/>
-                      <a:tailEnd type="none" w="med" len="med"/>
-                    </a:lnL>
-                    <a:lnR w="25400" cap="flat" cmpd="sng" algn="ctr">
-                      <a:solidFill>
-                        <a:srgbClr val="FFFFFF"/>
-                      </a:solidFill>
-                      <a:prstDash val="solid"/>
-                      <a:round/>
-                      <a:headEnd type="none" w="med" len="med"/>
-                      <a:tailEnd type="none" w="med" len="med"/>
-                    </a:lnR>
-                    <a:lnT w="25400" cap="flat" cmpd="sng" algn="ctr">
-                      <a:solidFill>
-                        <a:srgbClr val="FFFFFF"/>
-                      </a:solidFill>
-                      <a:prstDash val="solid"/>
-                      <a:round/>
-                      <a:headEnd type="none" w="med" len="med"/>
-                      <a:tailEnd type="none" w="med" len="med"/>
-                    </a:lnT>
-                    <a:lnB w="25400" cap="flat" cmpd="sng" algn="ctr">
-                      <a:solidFill>
-                        <a:srgbClr val="FFFFFF"/>
-                      </a:solidFill>
-                      <a:prstDash val="solid"/>
-                      <a:round/>
-                      <a:headEnd type="none" w="med" len="med"/>
-                      <a:tailEnd type="none" w="med" len="med"/>
-                    </a:lnB>
-                  </a:tcPr>
-                </a:tc>
-              </a:tr>
-              <a:tr h="1205156">
-                <a:tc>
-                  <a:txBody>
-                    <a:bodyPr/>
-                    <a:lstStyle/>
-                    <a:p>
-                      <a:pPr algn="l">
-                        <a:lnSpc>
-                          <a:spcPts val="5040"/>
-                        </a:lnSpc>
-                        <a:defRPr/>
-                      </a:pPr>
-                      <a:r>
-                        <a:rPr lang="en-US" sz="3600">
-                          <a:solidFill>
-                            <a:srgbClr val="FFFFFF"/>
-                          </a:solidFill>
-                          <a:latin typeface="Poppins"/>
-                        </a:rPr>
-                        <a:t>Mobil ilova</a:t>
-                      </a:r>
-                      <a:endParaRPr lang="en-US" sz="1100"/>
-                    </a:p>
-                  </a:txBody>
-                  <a:tcPr marL="190500" marR="190500" marT="190500" marB="190500" anchor="ctr">
-                    <a:lnL w="25400" cap="flat" cmpd="sng" algn="ctr">
-                      <a:solidFill>
-                        <a:srgbClr val="FFFFFF"/>
-                      </a:solidFill>
-                      <a:prstDash val="solid"/>
-                      <a:round/>
-                      <a:headEnd type="none" w="med" len="med"/>
-                      <a:tailEnd type="none" w="med" len="med"/>
-                    </a:lnL>
-                    <a:lnR w="25400" cap="flat" cmpd="sng" algn="ctr">
-                      <a:solidFill>
-                        <a:srgbClr val="FFFFFF"/>
-                      </a:solidFill>
-                      <a:prstDash val="solid"/>
-                      <a:round/>
-                      <a:headEnd type="none" w="med" len="med"/>
-                      <a:tailEnd type="none" w="med" len="med"/>
-                    </a:lnR>
-                    <a:lnT w="25400" cap="flat" cmpd="sng" algn="ctr">
-                      <a:solidFill>
-                        <a:srgbClr val="FFFFFF"/>
-                      </a:solidFill>
-                      <a:prstDash val="solid"/>
-                      <a:round/>
-                      <a:headEnd type="none" w="med" len="med"/>
-                      <a:tailEnd type="none" w="med" len="med"/>
-                    </a:lnT>
-                    <a:lnB w="25400" cap="flat" cmpd="sng" algn="ctr">
-                      <a:solidFill>
-                        <a:srgbClr val="FFFFFF"/>
-                      </a:solidFill>
-                      <a:prstDash val="solid"/>
-                      <a:round/>
-                      <a:headEnd type="none" w="med" len="med"/>
-                      <a:tailEnd type="none" w="med" len="med"/>
-                    </a:lnB>
-                  </a:tcPr>
-                </a:tc>
-                <a:tc>
-                  <a:txBody>
-                    <a:bodyPr/>
-                    <a:lstStyle/>
-                    <a:p>
-                      <a:pPr algn="l">
-                        <a:lnSpc>
-                          <a:spcPts val="4900"/>
-                        </a:lnSpc>
-                        <a:defRPr/>
-                      </a:pPr>
-                      <a:r>
-                        <a:rPr lang="en-US" sz="3500">
-                          <a:solidFill>
-                            <a:srgbClr val="FFFFFF"/>
-                          </a:solidFill>
-                          <a:latin typeface="Poppins"/>
-                        </a:rPr>
-                        <a:t>1000$</a:t>
-                      </a:r>
-                      <a:endParaRPr lang="en-US" sz="1100"/>
-                    </a:p>
-                    <a:p>
-                      <a:pPr>
-                        <a:lnSpc>
-                          <a:spcPts val="1120"/>
-                        </a:lnSpc>
-                      </a:pPr>
-                      <a:r>
-                        <a:rPr lang="en-US" sz="800">
-                          <a:solidFill>
-                            <a:srgbClr val="FFFFFF"/>
-                          </a:solidFill>
-                          <a:latin typeface="Poppins"/>
-                        </a:rPr>
-                        <a:t>  </a:t>
-                      </a:r>
-                    </a:p>
-                  </a:txBody>
-                  <a:tcPr marL="190500" marR="190500" marT="190500" marB="190500" anchor="ctr">
-                    <a:lnL w="25400" cap="flat" cmpd="sng" algn="ctr">
-                      <a:solidFill>
-                        <a:srgbClr val="FFFFFF"/>
-                      </a:solidFill>
-                      <a:prstDash val="solid"/>
-                      <a:round/>
-                      <a:headEnd type="none" w="med" len="med"/>
-                      <a:tailEnd type="none" w="med" len="med"/>
-                    </a:lnL>
-                    <a:lnR w="25400" cap="flat" cmpd="sng" algn="ctr">
-                      <a:solidFill>
-                        <a:srgbClr val="FFFFFF"/>
-                      </a:solidFill>
-                      <a:prstDash val="solid"/>
-                      <a:round/>
-                      <a:headEnd type="none" w="med" len="med"/>
-                      <a:tailEnd type="none" w="med" len="med"/>
-                    </a:lnR>
-                    <a:lnT w="25400" cap="flat" cmpd="sng" algn="ctr">
-                      <a:solidFill>
-                        <a:srgbClr val="FFFFFF"/>
-                      </a:solidFill>
-                      <a:prstDash val="solid"/>
-                      <a:round/>
-                      <a:headEnd type="none" w="med" len="med"/>
-                      <a:tailEnd type="none" w="med" len="med"/>
-                    </a:lnT>
-                    <a:lnB w="25400" cap="flat" cmpd="sng" algn="ctr">
-                      <a:solidFill>
-                        <a:srgbClr val="FFFFFF"/>
-                      </a:solidFill>
-                      <a:prstDash val="solid"/>
-                      <a:round/>
-                      <a:headEnd type="none" w="med" len="med"/>
-                      <a:tailEnd type="none" w="med" len="med"/>
-                    </a:lnB>
-                  </a:tcPr>
-                </a:tc>
-              </a:tr>
-              <a:tr h="1205156">
-                <a:tc>
-                  <a:txBody>
-                    <a:bodyPr/>
-                    <a:lstStyle/>
-                    <a:p>
-                      <a:pPr algn="l">
-                        <a:lnSpc>
-                          <a:spcPts val="5040"/>
-                        </a:lnSpc>
-                        <a:defRPr/>
-                      </a:pPr>
-                      <a:r>
-                        <a:rPr lang="en-US" sz="3600">
-                          <a:solidFill>
-                            <a:srgbClr val="FFFFFF"/>
-                          </a:solidFill>
-                          <a:latin typeface="Poppins"/>
-                        </a:rPr>
-                        <a:t>Frontend</a:t>
-                      </a:r>
-                      <a:endParaRPr lang="en-US" sz="1100"/>
-                    </a:p>
-                  </a:txBody>
-                  <a:tcPr marL="190500" marR="190500" marT="190500" marB="190500" anchor="ctr">
-                    <a:lnL w="25400" cap="flat" cmpd="sng" algn="ctr">
-                      <a:solidFill>
-                        <a:srgbClr val="FFFFFF"/>
-                      </a:solidFill>
-                      <a:prstDash val="solid"/>
-                      <a:round/>
-                      <a:headEnd type="none" w="med" len="med"/>
-                      <a:tailEnd type="none" w="med" len="med"/>
-                    </a:lnL>
-                    <a:lnR w="25400" cap="flat" cmpd="sng" algn="ctr">
-                      <a:solidFill>
-                        <a:srgbClr val="FFFFFF"/>
-                      </a:solidFill>
-                      <a:prstDash val="solid"/>
-                      <a:round/>
-                      <a:headEnd type="none" w="med" len="med"/>
-                      <a:tailEnd type="none" w="med" len="med"/>
-                    </a:lnR>
-                    <a:lnT w="25400" cap="flat" cmpd="sng" algn="ctr">
-                      <a:solidFill>
-                        <a:srgbClr val="FFFFFF"/>
-                      </a:solidFill>
-                      <a:prstDash val="solid"/>
-                      <a:round/>
-                      <a:headEnd type="none" w="med" len="med"/>
-                      <a:tailEnd type="none" w="med" len="med"/>
-                    </a:lnT>
-                    <a:lnB w="25400" cap="flat" cmpd="sng" algn="ctr">
-                      <a:solidFill>
-                        <a:srgbClr val="FFFFFF"/>
-                      </a:solidFill>
-                      <a:prstDash val="solid"/>
-                      <a:round/>
-                      <a:headEnd type="none" w="med" len="med"/>
-                      <a:tailEnd type="none" w="med" len="med"/>
-                    </a:lnB>
-                  </a:tcPr>
-                </a:tc>
-                <a:tc>
-                  <a:txBody>
-                    <a:bodyPr/>
-                    <a:lstStyle/>
-                    <a:p>
-                      <a:pPr algn="l">
-                        <a:lnSpc>
-                          <a:spcPts val="4900"/>
-                        </a:lnSpc>
-                        <a:defRPr/>
-                      </a:pPr>
-                      <a:r>
-                        <a:rPr lang="en-US" sz="3500" dirty="0">
-                          <a:solidFill>
-                            <a:srgbClr val="FFFFFF"/>
-                          </a:solidFill>
-                          <a:latin typeface="Poppins"/>
-                        </a:rPr>
-                        <a:t>500$</a:t>
-                      </a:r>
-                      <a:endParaRPr lang="en-US" sz="1100" dirty="0"/>
-                    </a:p>
-                    <a:p>
-                      <a:pPr>
-                        <a:lnSpc>
-                          <a:spcPts val="1120"/>
-                        </a:lnSpc>
-                      </a:pPr>
-                      <a:r>
-                        <a:rPr lang="en-US" sz="800" dirty="0">
-                          <a:solidFill>
-                            <a:srgbClr val="FFFFFF"/>
-                          </a:solidFill>
-                          <a:latin typeface="Poppins"/>
-                        </a:rPr>
-                        <a:t>  </a:t>
-                      </a:r>
-                    </a:p>
-                  </a:txBody>
-                  <a:tcPr marL="190500" marR="190500" marT="190500" marB="190500" anchor="ctr">
-                    <a:lnL w="25400" cap="flat" cmpd="sng" algn="ctr">
-                      <a:solidFill>
-                        <a:srgbClr val="FFFFFF"/>
-                      </a:solidFill>
-                      <a:prstDash val="solid"/>
-                      <a:round/>
-                      <a:headEnd type="none" w="med" len="med"/>
-                      <a:tailEnd type="none" w="med" len="med"/>
-                    </a:lnL>
-                    <a:lnR w="25400" cap="flat" cmpd="sng" algn="ctr">
-                      <a:solidFill>
-                        <a:srgbClr val="FFFFFF"/>
-                      </a:solidFill>
-                      <a:prstDash val="solid"/>
-                      <a:round/>
-                      <a:headEnd type="none" w="med" len="med"/>
-                      <a:tailEnd type="none" w="med" len="med"/>
-                    </a:lnR>
-                    <a:lnT w="25400" cap="flat" cmpd="sng" algn="ctr">
-                      <a:solidFill>
-                        <a:srgbClr val="FFFFFF"/>
-                      </a:solidFill>
-                      <a:prstDash val="solid"/>
-                      <a:round/>
-                      <a:headEnd type="none" w="med" len="med"/>
-                      <a:tailEnd type="none" w="med" len="med"/>
-                    </a:lnT>
-                    <a:lnB w="25400" cap="flat" cmpd="sng" algn="ctr">
-                      <a:solidFill>
-                        <a:srgbClr val="FFFFFF"/>
-                      </a:solidFill>
-                      <a:prstDash val="solid"/>
-                      <a:round/>
-                      <a:headEnd type="none" w="med" len="med"/>
-                      <a:tailEnd type="none" w="med" len="med"/>
-                    </a:lnB>
-                  </a:tcPr>
-                </a:tc>
-              </a:tr>
-              <a:tr h="1205156">
-                <a:tc>
-                  <a:txBody>
-                    <a:bodyPr/>
-                    <a:lstStyle/>
-                    <a:p>
-                      <a:pPr algn="l">
-                        <a:lnSpc>
-                          <a:spcPts val="5040"/>
-                        </a:lnSpc>
-                        <a:defRPr/>
-                      </a:pPr>
-                      <a:r>
-                        <a:rPr lang="en-US" sz="3600">
-                          <a:solidFill>
-                            <a:srgbClr val="FFFFFF"/>
-                          </a:solidFill>
-                          <a:latin typeface="Poppins"/>
-                        </a:rPr>
-                        <a:t>Backend</a:t>
-                      </a:r>
-                      <a:endParaRPr lang="en-US" sz="1100"/>
-                    </a:p>
-                  </a:txBody>
-                  <a:tcPr marL="190500" marR="190500" marT="190500" marB="190500" anchor="ctr">
-                    <a:lnL w="25400" cap="flat" cmpd="sng" algn="ctr">
-                      <a:solidFill>
-                        <a:srgbClr val="FFFFFF"/>
-                      </a:solidFill>
-                      <a:prstDash val="solid"/>
-                      <a:round/>
-                      <a:headEnd type="none" w="med" len="med"/>
-                      <a:tailEnd type="none" w="med" len="med"/>
-                    </a:lnL>
-                    <a:lnR w="25400" cap="flat" cmpd="sng" algn="ctr">
-                      <a:solidFill>
-                        <a:srgbClr val="FFFFFF"/>
-                      </a:solidFill>
-                      <a:prstDash val="solid"/>
-                      <a:round/>
-                      <a:headEnd type="none" w="med" len="med"/>
-                      <a:tailEnd type="none" w="med" len="med"/>
-                    </a:lnR>
-                    <a:lnT w="25400" cap="flat" cmpd="sng" algn="ctr">
-                      <a:solidFill>
-                        <a:srgbClr val="FFFFFF"/>
-                      </a:solidFill>
-                      <a:prstDash val="solid"/>
-                      <a:round/>
-                      <a:headEnd type="none" w="med" len="med"/>
-                      <a:tailEnd type="none" w="med" len="med"/>
-                    </a:lnT>
-                    <a:lnB w="25400" cap="flat" cmpd="sng" algn="ctr">
-                      <a:solidFill>
-                        <a:srgbClr val="FFFFFF"/>
-                      </a:solidFill>
-                      <a:prstDash val="solid"/>
-                      <a:round/>
-                      <a:headEnd type="none" w="med" len="med"/>
-                      <a:tailEnd type="none" w="med" len="med"/>
-                    </a:lnB>
-                  </a:tcPr>
-                </a:tc>
-                <a:tc>
-                  <a:txBody>
-                    <a:bodyPr/>
-                    <a:lstStyle/>
-                    <a:p>
-                      <a:pPr algn="l">
-                        <a:lnSpc>
-                          <a:spcPts val="4900"/>
-                        </a:lnSpc>
-                        <a:defRPr/>
-                      </a:pPr>
-                      <a:r>
-                        <a:rPr lang="en-US" sz="3500">
-                          <a:solidFill>
-                            <a:srgbClr val="FFFFFF"/>
-                          </a:solidFill>
-                          <a:latin typeface="Poppins"/>
-                        </a:rPr>
-                        <a:t>1000$</a:t>
-                      </a:r>
-                      <a:endParaRPr lang="en-US" sz="1100"/>
-                    </a:p>
-                    <a:p>
-                      <a:pPr>
-                        <a:lnSpc>
-                          <a:spcPts val="1120"/>
-                        </a:lnSpc>
-                      </a:pPr>
-                      <a:r>
-                        <a:rPr lang="en-US" sz="800">
-                          <a:solidFill>
-                            <a:srgbClr val="FFFFFF"/>
-                          </a:solidFill>
-                          <a:latin typeface="Poppins"/>
-                        </a:rPr>
-                        <a:t>  </a:t>
-                      </a:r>
-                    </a:p>
-                  </a:txBody>
-                  <a:tcPr marL="190500" marR="190500" marT="190500" marB="190500" anchor="ctr">
-                    <a:lnL w="25400" cap="flat" cmpd="sng" algn="ctr">
-                      <a:solidFill>
-                        <a:srgbClr val="FFFFFF"/>
-                      </a:solidFill>
-                      <a:prstDash val="solid"/>
-                      <a:round/>
-                      <a:headEnd type="none" w="med" len="med"/>
-                      <a:tailEnd type="none" w="med" len="med"/>
-                    </a:lnL>
-                    <a:lnR w="25400" cap="flat" cmpd="sng" algn="ctr">
-                      <a:solidFill>
-                        <a:srgbClr val="FFFFFF"/>
-                      </a:solidFill>
-                      <a:prstDash val="solid"/>
-                      <a:round/>
-                      <a:headEnd type="none" w="med" len="med"/>
-                      <a:tailEnd type="none" w="med" len="med"/>
-                    </a:lnR>
-                    <a:lnT w="25400" cap="flat" cmpd="sng" algn="ctr">
-                      <a:solidFill>
-                        <a:srgbClr val="FFFFFF"/>
-                      </a:solidFill>
-                      <a:prstDash val="solid"/>
-                      <a:round/>
-                      <a:headEnd type="none" w="med" len="med"/>
-                      <a:tailEnd type="none" w="med" len="med"/>
-                    </a:lnT>
-                    <a:lnB w="25400" cap="flat" cmpd="sng" algn="ctr">
-                      <a:solidFill>
-                        <a:srgbClr val="FFFFFF"/>
-                      </a:solidFill>
-                      <a:prstDash val="solid"/>
-                      <a:round/>
-                      <a:headEnd type="none" w="med" len="med"/>
-                      <a:tailEnd type="none" w="med" len="med"/>
-                    </a:lnB>
-                  </a:tcPr>
-                </a:tc>
-              </a:tr>
-              <a:tr h="1205156">
-                <a:tc>
-                  <a:txBody>
-                    <a:bodyPr/>
-                    <a:lstStyle/>
-                    <a:p>
-                      <a:pPr algn="l">
-                        <a:lnSpc>
-                          <a:spcPts val="5040"/>
-                        </a:lnSpc>
-                        <a:defRPr/>
-                      </a:pPr>
-                      <a:r>
-                        <a:rPr lang="en-US" sz="3600">
-                          <a:solidFill>
-                            <a:srgbClr val="FFFFFF"/>
-                          </a:solidFill>
-                          <a:latin typeface="Poppins"/>
-                        </a:rPr>
-                        <a:t>Boshqa</a:t>
-                      </a:r>
-                      <a:endParaRPr lang="en-US" sz="1100"/>
-                    </a:p>
-                  </a:txBody>
-                  <a:tcPr marL="190500" marR="190500" marT="190500" marB="190500" anchor="ctr">
-                    <a:lnL w="25400" cap="flat" cmpd="sng" algn="ctr">
-                      <a:solidFill>
-                        <a:srgbClr val="FFFFFF"/>
-                      </a:solidFill>
-                      <a:prstDash val="solid"/>
-                      <a:round/>
-                      <a:headEnd type="none" w="med" len="med"/>
-                      <a:tailEnd type="none" w="med" len="med"/>
-                    </a:lnL>
-                    <a:lnR w="25400" cap="flat" cmpd="sng" algn="ctr">
-                      <a:solidFill>
-                        <a:srgbClr val="FFFFFF"/>
-                      </a:solidFill>
-                      <a:prstDash val="solid"/>
-                      <a:round/>
-                      <a:headEnd type="none" w="med" len="med"/>
-                      <a:tailEnd type="none" w="med" len="med"/>
-                    </a:lnR>
-                    <a:lnT w="25400" cap="flat" cmpd="sng" algn="ctr">
-                      <a:solidFill>
-                        <a:srgbClr val="FFFFFF"/>
-                      </a:solidFill>
-                      <a:prstDash val="solid"/>
-                      <a:round/>
-                      <a:headEnd type="none" w="med" len="med"/>
-                      <a:tailEnd type="none" w="med" len="med"/>
-                    </a:lnT>
-                    <a:lnB w="25400" cap="flat" cmpd="sng" algn="ctr">
-                      <a:solidFill>
-                        <a:srgbClr val="FFFFFF"/>
-                      </a:solidFill>
-                      <a:prstDash val="solid"/>
-                      <a:round/>
-                      <a:headEnd type="none" w="med" len="med"/>
-                      <a:tailEnd type="none" w="med" len="med"/>
-                    </a:lnB>
-                  </a:tcPr>
-                </a:tc>
-                <a:tc>
-                  <a:txBody>
-                    <a:bodyPr/>
-                    <a:lstStyle/>
-                    <a:p>
-                      <a:pPr algn="l">
-                        <a:lnSpc>
-                          <a:spcPts val="4900"/>
-                        </a:lnSpc>
-                        <a:defRPr/>
-                      </a:pPr>
-                      <a:r>
-                        <a:rPr lang="en-US" sz="3500" dirty="0">
-                          <a:solidFill>
-                            <a:srgbClr val="FFFFFF"/>
-                          </a:solidFill>
-                          <a:latin typeface="Poppins"/>
-                        </a:rPr>
-                        <a:t>2000$</a:t>
-                      </a:r>
-                      <a:endParaRPr lang="en-US" sz="1100" dirty="0"/>
-                    </a:p>
-                    <a:p>
-                      <a:pPr>
-                        <a:lnSpc>
-                          <a:spcPts val="1120"/>
-                        </a:lnSpc>
-                      </a:pPr>
-                      <a:r>
-                        <a:rPr lang="en-US" sz="800" dirty="0">
-                          <a:solidFill>
-                            <a:srgbClr val="FFFFFF"/>
-                          </a:solidFill>
-                          <a:latin typeface="Poppins"/>
-                        </a:rPr>
-                        <a:t>  </a:t>
-                      </a:r>
-                    </a:p>
-                  </a:txBody>
-                  <a:tcPr marL="190500" marR="190500" marT="190500" marB="190500" anchor="ctr">
-                    <a:lnL w="25400" cap="flat" cmpd="sng" algn="ctr">
-                      <a:solidFill>
-                        <a:srgbClr val="FFFFFF"/>
-                      </a:solidFill>
-                      <a:prstDash val="solid"/>
-                      <a:round/>
-                      <a:headEnd type="none" w="med" len="med"/>
-                      <a:tailEnd type="none" w="med" len="med"/>
-                    </a:lnL>
-                    <a:lnR w="25400" cap="flat" cmpd="sng" algn="ctr">
-                      <a:solidFill>
-                        <a:srgbClr val="FFFFFF"/>
-                      </a:solidFill>
-                      <a:prstDash val="solid"/>
-                      <a:round/>
-                      <a:headEnd type="none" w="med" len="med"/>
-                      <a:tailEnd type="none" w="med" len="med"/>
-                    </a:lnR>
-                    <a:lnT w="25400" cap="flat" cmpd="sng" algn="ctr">
-                      <a:solidFill>
-                        <a:srgbClr val="FFFFFF"/>
-                      </a:solidFill>
-                      <a:prstDash val="solid"/>
-                      <a:round/>
-                      <a:headEnd type="none" w="med" len="med"/>
-                      <a:tailEnd type="none" w="med" len="med"/>
-                    </a:lnT>
-                    <a:lnB w="25400" cap="flat" cmpd="sng" algn="ctr">
-                      <a:solidFill>
-                        <a:srgbClr val="FFFFFF"/>
-                      </a:solidFill>
-                      <a:prstDash val="solid"/>
-                      <a:round/>
-                      <a:headEnd type="none" w="med" len="med"/>
-                      <a:tailEnd type="none" w="med" len="med"/>
-                    </a:lnB>
-                  </a:tcPr>
-                </a:tc>
-              </a:tr>
-            </a:tbl>
-          </a:graphicData>
-        </a:graphic>
-      </p:graphicFrame>
       <p:sp>
         <p:nvSpPr>
           <p:cNvPr id="3" name="Freeform 3"/>
@@ -6543,7 +7381,7 @@
         </p:nvSpPr>
         <p:spPr>
           <a:xfrm>
-            <a:off x="1283434" y="1756748"/>
+            <a:off x="609600" y="8953500"/>
             <a:ext cx="2728160" cy="609593"/>
           </a:xfrm>
           <a:custGeom>
@@ -6590,22 +7428,22 @@
           <p:nvPr>
             <p:extLst>
               <p:ext uri="{D42A27DB-BD31-4B8C-83A1-F6EECF244321}">
-                <p14:modId xmlns:p14="http://schemas.microsoft.com/office/powerpoint/2010/main" val="417121800"/>
+                <p14:modId xmlns:p14="http://schemas.microsoft.com/office/powerpoint/2010/main" val="4195239185"/>
               </p:ext>
             </p:extLst>
           </p:nvPr>
         </p:nvGraphicFramePr>
         <p:xfrm>
-          <a:off x="7620000" y="1390651"/>
-          <a:ext cx="9753600" cy="7135559"/>
+          <a:off x="1295400" y="1390651"/>
+          <a:ext cx="16078200" cy="6993468"/>
         </p:xfrm>
         <a:graphic>
           <a:graphicData uri="http://schemas.openxmlformats.org/drawingml/2006/table">
             <a:tbl>
               <a:tblPr/>
               <a:tblGrid>
-                <a:gridCol w="3481558"/>
-                <a:gridCol w="6272042"/>
+                <a:gridCol w="5739131"/>
+                <a:gridCol w="10339069"/>
               </a:tblGrid>
               <a:tr h="1535605">
                 <a:tc>
@@ -6746,7 +7584,7 @@
                         <a:defRPr/>
                       </a:pPr>
                       <a:r>
-                        <a:rPr lang="en-US" sz="3600">
+                        <a:rPr lang="en-US" sz="3600" dirty="0" err="1">
                           <a:solidFill>
                             <a:srgbClr val="FFFFFF"/>
                           </a:solidFill>
@@ -6754,7 +7592,7 @@
                         </a:rPr>
                         <a:t>Istiqbol</a:t>
                       </a:r>
-                      <a:endParaRPr lang="en-US" sz="1100"/>
+                      <a:endParaRPr lang="en-US" sz="1100" dirty="0"/>
                     </a:p>
                   </a:txBody>
                   <a:tcPr marL="190500" marR="190500" marT="190500" marB="190500" anchor="ctr">
@@ -6808,30 +7646,112 @@
                         <a:defRPr/>
                       </a:pPr>
                       <a:r>
-                        <a:rPr lang="en-US" sz="3500">
+                        <a:rPr lang="en-US" sz="3500" dirty="0" err="1">
                           <a:solidFill>
                             <a:srgbClr val="FFFFFF"/>
                           </a:solidFill>
                           <a:latin typeface="Poppins"/>
                         </a:rPr>
-                        <a:t>Oddiy kasb - hunar egasi ham ishli </a:t>
+                        <a:t>Oddiy</a:t>
                       </a:r>
-                      <a:endParaRPr lang="en-US" sz="1100"/>
-                    </a:p>
-                    <a:p>
-                      <a:pPr>
-                        <a:lnSpc>
-                          <a:spcPts val="4900"/>
-                        </a:lnSpc>
-                      </a:pPr>
                       <a:r>
-                        <a:rPr lang="en-US" sz="3500">
+                        <a:rPr lang="en-US" sz="3500" dirty="0">
                           <a:solidFill>
                             <a:srgbClr val="FFFFFF"/>
                           </a:solidFill>
                           <a:latin typeface="Poppins"/>
                         </a:rPr>
-                        <a:t>bo’lishi.</a:t>
+                        <a:t> </a:t>
+                      </a:r>
+                      <a:r>
+                        <a:rPr lang="en-US" sz="3500" dirty="0" err="1">
+                          <a:solidFill>
+                            <a:srgbClr val="FFFFFF"/>
+                          </a:solidFill>
+                          <a:latin typeface="Poppins"/>
+                        </a:rPr>
+                        <a:t>kasb</a:t>
+                      </a:r>
+                      <a:r>
+                        <a:rPr lang="en-US" sz="3500" dirty="0">
+                          <a:solidFill>
+                            <a:srgbClr val="FFFFFF"/>
+                          </a:solidFill>
+                          <a:latin typeface="Poppins"/>
+                        </a:rPr>
+                        <a:t> - </a:t>
+                      </a:r>
+                      <a:r>
+                        <a:rPr lang="en-US" sz="3500" dirty="0" err="1">
+                          <a:solidFill>
+                            <a:srgbClr val="FFFFFF"/>
+                          </a:solidFill>
+                          <a:latin typeface="Poppins"/>
+                        </a:rPr>
+                        <a:t>hunar</a:t>
+                      </a:r>
+                      <a:r>
+                        <a:rPr lang="en-US" sz="3500" dirty="0">
+                          <a:solidFill>
+                            <a:srgbClr val="FFFFFF"/>
+                          </a:solidFill>
+                          <a:latin typeface="Poppins"/>
+                        </a:rPr>
+                        <a:t> </a:t>
+                      </a:r>
+                      <a:r>
+                        <a:rPr lang="en-US" sz="3500" dirty="0" err="1">
+                          <a:solidFill>
+                            <a:srgbClr val="FFFFFF"/>
+                          </a:solidFill>
+                          <a:latin typeface="Poppins"/>
+                        </a:rPr>
+                        <a:t>egasi</a:t>
+                      </a:r>
+                      <a:r>
+                        <a:rPr lang="en-US" sz="3500" dirty="0">
+                          <a:solidFill>
+                            <a:srgbClr val="FFFFFF"/>
+                          </a:solidFill>
+                          <a:latin typeface="Poppins"/>
+                        </a:rPr>
+                        <a:t> ham </a:t>
+                      </a:r>
+                      <a:r>
+                        <a:rPr lang="en-US" sz="3500" dirty="0" err="1">
+                          <a:solidFill>
+                            <a:srgbClr val="FFFFFF"/>
+                          </a:solidFill>
+                          <a:latin typeface="Poppins"/>
+                        </a:rPr>
+                        <a:t>ishli</a:t>
+                      </a:r>
+                      <a:r>
+                        <a:rPr lang="en-US" sz="3500" dirty="0">
+                          <a:solidFill>
+                            <a:srgbClr val="FFFFFF"/>
+                          </a:solidFill>
+                          <a:latin typeface="Poppins"/>
+                        </a:rPr>
+                        <a:t> </a:t>
+                      </a:r>
+                      <a:r>
+                        <a:rPr lang="en-US" sz="3500" dirty="0" err="1" smtClean="0">
+                          <a:solidFill>
+                            <a:srgbClr val="FFFFFF"/>
+                          </a:solidFill>
+                          <a:latin typeface="Poppins"/>
+                        </a:rPr>
+                        <a:t>bo’lishi</a:t>
+                      </a:r>
+                      <a:r>
+                        <a:rPr lang="en-US" sz="3500" dirty="0">
+                          <a:solidFill>
+                            <a:srgbClr val="FFFFFF"/>
+                          </a:solidFill>
+                          <a:latin typeface="Poppins"/>
+                        </a:rPr>
+                        <a:t>.</a:t>
                       </a:r>
                     </a:p>
                   </a:txBody>
@@ -7250,1184 +8170,982 @@
           <a:chExt cx="0" cy="0"/>
         </a:xfrm>
       </p:grpSpPr>
-      <p:sp>
-        <p:nvSpPr>
-          <p:cNvPr id="2" name="Freeform 2"/>
-          <p:cNvSpPr/>
+      <p:grpSp>
+        <p:nvGrpSpPr>
+          <p:cNvPr id="18" name="Group 18"/>
+          <p:cNvGrpSpPr/>
           <p:nvPr/>
-        </p:nvSpPr>
+        </p:nvGrpSpPr>
+        <p:grpSpPr>
+          <a:xfrm>
+            <a:off x="1028700" y="495300"/>
+            <a:ext cx="5959003" cy="2544970"/>
+            <a:chOff x="0" y="-9525"/>
+            <a:chExt cx="7945337" cy="3393294"/>
+          </a:xfrm>
+        </p:grpSpPr>
+        <p:sp>
+          <p:nvSpPr>
+            <p:cNvPr id="19" name="TextBox 19"/>
+            <p:cNvSpPr txBox="1"/>
+            <p:nvPr/>
+          </p:nvSpPr>
+          <p:spPr>
+            <a:xfrm>
+              <a:off x="0" y="-9525"/>
+              <a:ext cx="7945337" cy="1394399"/>
+            </a:xfrm>
+            <a:prstGeom prst="rect">
+              <a:avLst/>
+            </a:prstGeom>
+          </p:spPr>
+          <p:txBody>
+            <a:bodyPr lIns="0" tIns="0" rIns="0" bIns="0" rtlCol="0" anchor="t">
+              <a:spAutoFit/>
+            </a:bodyPr>
+            <a:lstStyle/>
+            <a:p>
+              <a:pPr>
+                <a:lnSpc>
+                  <a:spcPts val="8880"/>
+                </a:lnSpc>
+              </a:pPr>
+              <a:r>
+                <a:rPr lang="en-US" sz="7400" dirty="0" err="1" smtClean="0">
+                  <a:solidFill>
+                    <a:srgbClr val="FFFFFF"/>
+                  </a:solidFill>
+                  <a:latin typeface="Barlow Condensed Bold"/>
+                </a:rPr>
+                <a:t>Dizayn</a:t>
+              </a:r>
+              <a:r>
+                <a:rPr lang="en-US" sz="7400" dirty="0" smtClean="0">
+                  <a:solidFill>
+                    <a:srgbClr val="FFFFFF"/>
+                  </a:solidFill>
+                  <a:latin typeface="Barlow Condensed Bold"/>
+                </a:rPr>
+                <a:t>:</a:t>
+              </a:r>
+              <a:endParaRPr lang="en-US" sz="7400" dirty="0">
+                <a:solidFill>
+                  <a:srgbClr val="FFFFFF"/>
+                </a:solidFill>
+                <a:latin typeface="Barlow Condensed Bold"/>
+              </a:endParaRPr>
+            </a:p>
+          </p:txBody>
+        </p:sp>
+        <p:sp>
+          <p:nvSpPr>
+            <p:cNvPr id="20" name="TextBox 20"/>
+            <p:cNvSpPr txBox="1"/>
+            <p:nvPr/>
+          </p:nvSpPr>
+          <p:spPr>
+            <a:xfrm>
+              <a:off x="0" y="2729084"/>
+              <a:ext cx="7945337" cy="654685"/>
+            </a:xfrm>
+            <a:prstGeom prst="rect">
+              <a:avLst/>
+            </a:prstGeom>
+          </p:spPr>
+          <p:txBody>
+            <a:bodyPr lIns="0" tIns="0" rIns="0" bIns="0" rtlCol="0" anchor="t">
+              <a:spAutoFit/>
+            </a:bodyPr>
+            <a:lstStyle/>
+            <a:p>
+              <a:pPr>
+                <a:lnSpc>
+                  <a:spcPts val="4200"/>
+                </a:lnSpc>
+              </a:pPr>
+              <a:endParaRPr lang="en-US" sz="2800" dirty="0">
+                <a:solidFill>
+                  <a:srgbClr val="FFFFFF"/>
+                </a:solidFill>
+                <a:latin typeface="Barlow Light"/>
+              </a:endParaRPr>
+            </a:p>
+          </p:txBody>
+        </p:sp>
+      </p:grpSp>
+      <p:pic>
+        <p:nvPicPr>
+          <p:cNvPr id="2" name="Рисунок 1"/>
+          <p:cNvPicPr>
+            <a:picLocks noChangeAspect="1"/>
+          </p:cNvPicPr>
+          <p:nvPr/>
+        </p:nvPicPr>
+        <p:blipFill>
+          <a:blip r:embed="rId2" cstate="print">
+            <a:extLst>
+              <a:ext uri="{28A0092B-C50C-407E-A947-70E740481C1C}">
+                <a14:useLocalDpi xmlns:a14="http://schemas.microsoft.com/office/drawing/2010/main" val="0"/>
+              </a:ext>
+            </a:extLst>
+          </a:blip>
+          <a:stretch>
+            <a:fillRect/>
+          </a:stretch>
+        </p:blipFill>
         <p:spPr>
           <a:xfrm>
-            <a:off x="0" y="0"/>
-            <a:ext cx="4343400" cy="10287000"/>
-          </a:xfrm>
-          <a:custGeom>
-            <a:avLst/>
-            <a:gdLst/>
-            <a:ahLst/>
-            <a:cxnLst/>
-            <a:rect l="l" t="t" r="r" b="b"/>
-            <a:pathLst>
-              <a:path w="4343400" h="10287000">
-                <a:moveTo>
-                  <a:pt x="0" y="0"/>
-                </a:moveTo>
-                <a:lnTo>
-                  <a:pt x="4343400" y="0"/>
-                </a:lnTo>
-                <a:lnTo>
-                  <a:pt x="4343400" y="10287000"/>
-                </a:lnTo>
-                <a:lnTo>
-                  <a:pt x="0" y="10287000"/>
-                </a:lnTo>
-                <a:lnTo>
-                  <a:pt x="0" y="0"/>
-                </a:lnTo>
-                <a:close/>
-              </a:path>
-            </a:pathLst>
-          </a:custGeom>
-          <a:blipFill>
-            <a:blip r:embed="rId2"/>
-            <a:stretch>
-              <a:fillRect l="-28947" r="-28947"/>
-            </a:stretch>
-          </a:blipFill>
-        </p:spPr>
-      </p:sp>
-      <p:sp>
-        <p:nvSpPr>
-          <p:cNvPr id="3" name="TextBox 3"/>
-          <p:cNvSpPr txBox="1"/>
-          <p:nvPr/>
-        </p:nvSpPr>
-        <p:spPr>
-          <a:xfrm>
-            <a:off x="5907869" y="1130465"/>
-            <a:ext cx="10744200" cy="748030"/>
+            <a:off x="1583267" y="1790700"/>
+            <a:ext cx="5960533" cy="3352800"/>
           </a:xfrm>
           <a:prstGeom prst="rect">
             <a:avLst/>
           </a:prstGeom>
         </p:spPr>
-        <p:txBody>
-          <a:bodyPr lIns="0" tIns="0" rIns="0" bIns="0" rtlCol="0" anchor="t">
-            <a:spAutoFit/>
-          </a:bodyPr>
-          <a:lstStyle/>
-          <a:p>
-            <a:pPr>
-              <a:lnSpc>
-                <a:spcPts val="6019"/>
-              </a:lnSpc>
-            </a:pPr>
-            <a:r>
-              <a:rPr lang="en-US" sz="4299">
+      </p:pic>
+      <p:pic>
+        <p:nvPicPr>
+          <p:cNvPr id="3" name="Рисунок 2"/>
+          <p:cNvPicPr>
+            <a:picLocks noChangeAspect="1"/>
+          </p:cNvPicPr>
+          <p:nvPr/>
+        </p:nvPicPr>
+        <p:blipFill>
+          <a:blip r:embed="rId3" cstate="print">
+            <a:extLst>
+              <a:ext uri="{28A0092B-C50C-407E-A947-70E740481C1C}">
+                <a14:useLocalDpi xmlns:a14="http://schemas.microsoft.com/office/drawing/2010/main" val="0"/>
+              </a:ext>
+            </a:extLst>
+          </a:blip>
+          <a:stretch>
+            <a:fillRect/>
+          </a:stretch>
+        </p:blipFill>
+        <p:spPr>
+          <a:xfrm>
+            <a:off x="10439400" y="1714500"/>
+            <a:ext cx="6096000" cy="3429000"/>
+          </a:xfrm>
+          <a:prstGeom prst="rect">
+            <a:avLst/>
+          </a:prstGeom>
+        </p:spPr>
+      </p:pic>
+      <p:pic>
+        <p:nvPicPr>
+          <p:cNvPr id="4" name="Рисунок 3"/>
+          <p:cNvPicPr>
+            <a:picLocks noChangeAspect="1"/>
+          </p:cNvPicPr>
+          <p:nvPr/>
+        </p:nvPicPr>
+        <p:blipFill>
+          <a:blip r:embed="rId4" cstate="print">
+            <a:extLst>
+              <a:ext uri="{28A0092B-C50C-407E-A947-70E740481C1C}">
+                <a14:useLocalDpi xmlns:a14="http://schemas.microsoft.com/office/drawing/2010/main" val="0"/>
+              </a:ext>
+            </a:extLst>
+          </a:blip>
+          <a:stretch>
+            <a:fillRect/>
+          </a:stretch>
+        </p:blipFill>
+        <p:spPr>
+          <a:xfrm>
+            <a:off x="1637551" y="5936035"/>
+            <a:ext cx="5906249" cy="3322265"/>
+          </a:xfrm>
+          <a:prstGeom prst="rect">
+            <a:avLst/>
+          </a:prstGeom>
+        </p:spPr>
+      </p:pic>
+      <p:pic>
+        <p:nvPicPr>
+          <p:cNvPr id="5" name="Рисунок 4"/>
+          <p:cNvPicPr>
+            <a:picLocks noChangeAspect="1"/>
+          </p:cNvPicPr>
+          <p:nvPr/>
+        </p:nvPicPr>
+        <p:blipFill>
+          <a:blip r:embed="rId5" cstate="print">
+            <a:extLst>
+              <a:ext uri="{28A0092B-C50C-407E-A947-70E740481C1C}">
+                <a14:useLocalDpi xmlns:a14="http://schemas.microsoft.com/office/drawing/2010/main" val="0"/>
+              </a:ext>
+            </a:extLst>
+          </a:blip>
+          <a:stretch>
+            <a:fillRect/>
+          </a:stretch>
+        </p:blipFill>
+        <p:spPr>
+          <a:xfrm>
+            <a:off x="10439400" y="5912094"/>
+            <a:ext cx="6084277" cy="3422406"/>
+          </a:xfrm>
+          <a:prstGeom prst="rect">
+            <a:avLst/>
+          </a:prstGeom>
+        </p:spPr>
+      </p:pic>
+    </p:spTree>
+    <p:extLst>
+      <p:ext uri="{BB962C8B-B14F-4D97-AF65-F5344CB8AC3E}">
+        <p14:creationId xmlns:p14="http://schemas.microsoft.com/office/powerpoint/2010/main" val="1910373294"/>
+      </p:ext>
+    </p:extLst>
+  </p:cSld>
+  <p:clrMapOvr>
+    <a:masterClrMapping/>
+  </p:clrMapOvr>
+  <p:timing>
+    <p:tnLst>
+      <p:par>
+        <p:cTn id="1" dur="indefinite" restart="never" nodeType="tmRoot"/>
+      </p:par>
+    </p:tnLst>
+  </p:timing>
+</p:sld>
+</file>
+
+<file path=ppt/slides/slide7.xml><?xml version="1.0" encoding="utf-8"?>
+<p:sld xmlns:a="http://schemas.openxmlformats.org/drawingml/2006/main" xmlns:r="http://schemas.openxmlformats.org/officeDocument/2006/relationships" xmlns:p="http://schemas.openxmlformats.org/presentationml/2006/main">
+  <p:cSld>
+    <p:bg>
+      <p:bgPr>
+        <a:solidFill>
+          <a:srgbClr val="292929"/>
+        </a:solidFill>
+        <a:effectLst/>
+      </p:bgPr>
+    </p:bg>
+    <p:spTree>
+      <p:nvGrpSpPr>
+        <p:cNvPr id="1" name=""/>
+        <p:cNvGrpSpPr/>
+        <p:nvPr/>
+      </p:nvGrpSpPr>
+      <p:grpSpPr>
+        <a:xfrm>
+          <a:off x="0" y="0"/>
+          <a:ext cx="0" cy="0"/>
+          <a:chOff x="0" y="0"/>
+          <a:chExt cx="0" cy="0"/>
+        </a:xfrm>
+      </p:grpSpPr>
+      <p:grpSp>
+        <p:nvGrpSpPr>
+          <p:cNvPr id="18" name="Group 18"/>
+          <p:cNvGrpSpPr/>
+          <p:nvPr/>
+        </p:nvGrpSpPr>
+        <p:grpSpPr>
+          <a:xfrm>
+            <a:off x="1028700" y="495300"/>
+            <a:ext cx="7277100" cy="2544970"/>
+            <a:chOff x="0" y="-9525"/>
+            <a:chExt cx="9702800" cy="3393294"/>
+          </a:xfrm>
+        </p:grpSpPr>
+        <p:sp>
+          <p:nvSpPr>
+            <p:cNvPr id="19" name="TextBox 19"/>
+            <p:cNvSpPr txBox="1"/>
+            <p:nvPr/>
+          </p:nvSpPr>
+          <p:spPr>
+            <a:xfrm>
+              <a:off x="0" y="-9525"/>
+              <a:ext cx="9702800" cy="1394399"/>
+            </a:xfrm>
+            <a:prstGeom prst="rect">
+              <a:avLst/>
+            </a:prstGeom>
+          </p:spPr>
+          <p:txBody>
+            <a:bodyPr wrap="square" lIns="0" tIns="0" rIns="0" bIns="0" rtlCol="0" anchor="t">
+              <a:spAutoFit/>
+            </a:bodyPr>
+            <a:lstStyle/>
+            <a:p>
+              <a:pPr>
+                <a:lnSpc>
+                  <a:spcPts val="8880"/>
+                </a:lnSpc>
+              </a:pPr>
+              <a:r>
+                <a:rPr lang="en-US" sz="7400" dirty="0" err="1" smtClean="0">
+                  <a:solidFill>
+                    <a:srgbClr val="FFFFFF"/>
+                  </a:solidFill>
+                  <a:latin typeface="Barlow Condensed Bold"/>
+                </a:rPr>
+                <a:t>Veb</a:t>
+              </a:r>
+              <a:r>
+                <a:rPr lang="en-US" sz="7400" dirty="0" smtClean="0">
+                  <a:solidFill>
+                    <a:srgbClr val="FFFFFF"/>
+                  </a:solidFill>
+                  <a:latin typeface="Barlow Condensed Bold"/>
+                </a:rPr>
+                <a:t> </a:t>
+              </a:r>
+              <a:r>
+                <a:rPr lang="en-US" sz="7400" dirty="0" err="1" smtClean="0">
+                  <a:solidFill>
+                    <a:srgbClr val="FFFFFF"/>
+                  </a:solidFill>
+                  <a:latin typeface="Barlow Condensed Bold"/>
+                </a:rPr>
+                <a:t>sayt</a:t>
+              </a:r>
+              <a:r>
+                <a:rPr lang="en-US" sz="7400" dirty="0" smtClean="0">
+                  <a:solidFill>
+                    <a:srgbClr val="FFFFFF"/>
+                  </a:solidFill>
+                  <a:latin typeface="Barlow Condensed Bold"/>
+                </a:rPr>
+                <a:t> </a:t>
+              </a:r>
+              <a:r>
+                <a:rPr lang="en-US" sz="7400" dirty="0" err="1" smtClean="0">
+                  <a:solidFill>
+                    <a:srgbClr val="FFFFFF"/>
+                  </a:solidFill>
+                  <a:latin typeface="Barlow Condensed Bold"/>
+                </a:rPr>
+                <a:t>qismi</a:t>
+              </a:r>
+              <a:r>
+                <a:rPr lang="en-US" sz="7400" dirty="0" smtClean="0">
+                  <a:solidFill>
+                    <a:srgbClr val="FFFFFF"/>
+                  </a:solidFill>
+                  <a:latin typeface="Barlow Condensed Bold"/>
+                </a:rPr>
+                <a:t>:</a:t>
+              </a:r>
+              <a:endParaRPr lang="en-US" sz="7400" dirty="0">
                 <a:solidFill>
-                  <a:srgbClr val="009444"/>
+                  <a:srgbClr val="FFFFFF"/>
                 </a:solidFill>
-                <a:latin typeface="Barlow Bold"/>
-              </a:rPr>
-              <a:t>Grafik dizayner:</a:t>
-            </a:r>
-            <a:r>
-              <a:rPr lang="en-US" sz="4299">
-                <a:solidFill>
-                  <a:srgbClr val="009444"/>
-                </a:solidFill>
-                <a:latin typeface="Barlow Light"/>
-              </a:rPr>
-              <a:t> </a:t>
-            </a:r>
-            <a:r>
-              <a:rPr lang="en-US" sz="4299">
+                <a:latin typeface="Barlow Condensed Bold"/>
+              </a:endParaRPr>
+            </a:p>
+          </p:txBody>
+        </p:sp>
+        <p:sp>
+          <p:nvSpPr>
+            <p:cNvPr id="20" name="TextBox 20"/>
+            <p:cNvSpPr txBox="1"/>
+            <p:nvPr/>
+          </p:nvSpPr>
+          <p:spPr>
+            <a:xfrm>
+              <a:off x="0" y="2729084"/>
+              <a:ext cx="7945337" cy="654685"/>
+            </a:xfrm>
+            <a:prstGeom prst="rect">
+              <a:avLst/>
+            </a:prstGeom>
+          </p:spPr>
+          <p:txBody>
+            <a:bodyPr lIns="0" tIns="0" rIns="0" bIns="0" rtlCol="0" anchor="t">
+              <a:spAutoFit/>
+            </a:bodyPr>
+            <a:lstStyle/>
+            <a:p>
+              <a:pPr>
+                <a:lnSpc>
+                  <a:spcPts val="4200"/>
+                </a:lnSpc>
+              </a:pPr>
+              <a:endParaRPr lang="en-US" sz="2800" dirty="0">
                 <a:solidFill>
                   <a:srgbClr val="FFFFFF"/>
                 </a:solidFill>
                 <a:latin typeface="Barlow Light"/>
-              </a:rPr>
-              <a:t>Turdiboyev Fayzullo</a:t>
-            </a:r>
-          </a:p>
-        </p:txBody>
-      </p:sp>
-      <p:sp>
-        <p:nvSpPr>
-          <p:cNvPr id="4" name="TextBox 4"/>
-          <p:cNvSpPr txBox="1"/>
+              </a:endParaRPr>
+            </a:p>
+          </p:txBody>
+        </p:sp>
+      </p:grpSp>
+      <p:pic>
+        <p:nvPicPr>
+          <p:cNvPr id="3" name="Рисунок 2"/>
+          <p:cNvPicPr>
+            <a:picLocks noChangeAspect="1"/>
+          </p:cNvPicPr>
           <p:nvPr/>
-        </p:nvSpPr>
+        </p:nvPicPr>
+        <p:blipFill>
+          <a:blip r:embed="rId2">
+            <a:extLst>
+              <a:ext uri="{28A0092B-C50C-407E-A947-70E740481C1C}">
+                <a14:useLocalDpi xmlns:a14="http://schemas.microsoft.com/office/drawing/2010/main" val="0"/>
+              </a:ext>
+            </a:extLst>
+          </a:blip>
+          <a:stretch>
+            <a:fillRect/>
+          </a:stretch>
+        </p:blipFill>
         <p:spPr>
           <a:xfrm>
-            <a:off x="5907869" y="3887966"/>
-            <a:ext cx="10744200" cy="748030"/>
+            <a:off x="1039586" y="1541099"/>
+            <a:ext cx="7315200" cy="4114800"/>
           </a:xfrm>
           <a:prstGeom prst="rect">
             <a:avLst/>
           </a:prstGeom>
         </p:spPr>
-        <p:txBody>
-          <a:bodyPr lIns="0" tIns="0" rIns="0" bIns="0" rtlCol="0" anchor="t">
-            <a:spAutoFit/>
-          </a:bodyPr>
-          <a:lstStyle/>
-          <a:p>
-            <a:pPr>
-              <a:lnSpc>
-                <a:spcPts val="6019"/>
-              </a:lnSpc>
-            </a:pPr>
-            <a:r>
-              <a:rPr lang="en-US" sz="4299">
+      </p:pic>
+      <p:pic>
+        <p:nvPicPr>
+          <p:cNvPr id="4" name="Рисунок 3"/>
+          <p:cNvPicPr>
+            <a:picLocks noChangeAspect="1"/>
+          </p:cNvPicPr>
+          <p:nvPr/>
+        </p:nvPicPr>
+        <p:blipFill>
+          <a:blip r:embed="rId3">
+            <a:extLst>
+              <a:ext uri="{28A0092B-C50C-407E-A947-70E740481C1C}">
+                <a14:useLocalDpi xmlns:a14="http://schemas.microsoft.com/office/drawing/2010/main" val="0"/>
+              </a:ext>
+            </a:extLst>
+          </a:blip>
+          <a:stretch>
+            <a:fillRect/>
+          </a:stretch>
+        </p:blipFill>
+        <p:spPr>
+          <a:xfrm>
+            <a:off x="9982200" y="1617299"/>
+            <a:ext cx="7257888" cy="4082562"/>
+          </a:xfrm>
+          <a:prstGeom prst="rect">
+            <a:avLst/>
+          </a:prstGeom>
+        </p:spPr>
+      </p:pic>
+      <p:pic>
+        <p:nvPicPr>
+          <p:cNvPr id="5" name="Рисунок 4"/>
+          <p:cNvPicPr>
+            <a:picLocks noChangeAspect="1"/>
+          </p:cNvPicPr>
+          <p:nvPr/>
+        </p:nvPicPr>
+        <p:blipFill>
+          <a:blip r:embed="rId4">
+            <a:extLst>
+              <a:ext uri="{28A0092B-C50C-407E-A947-70E740481C1C}">
+                <a14:useLocalDpi xmlns:a14="http://schemas.microsoft.com/office/drawing/2010/main" val="0"/>
+              </a:ext>
+            </a:extLst>
+          </a:blip>
+          <a:stretch>
+            <a:fillRect/>
+          </a:stretch>
+        </p:blipFill>
+        <p:spPr>
+          <a:xfrm>
+            <a:off x="1039586" y="5905500"/>
+            <a:ext cx="7315200" cy="4114800"/>
+          </a:xfrm>
+          <a:prstGeom prst="rect">
+            <a:avLst/>
+          </a:prstGeom>
+        </p:spPr>
+      </p:pic>
+      <p:pic>
+        <p:nvPicPr>
+          <p:cNvPr id="6" name="Рисунок 5"/>
+          <p:cNvPicPr>
+            <a:picLocks noChangeAspect="1"/>
+          </p:cNvPicPr>
+          <p:nvPr/>
+        </p:nvPicPr>
+        <p:blipFill>
+          <a:blip r:embed="rId5">
+            <a:extLst>
+              <a:ext uri="{28A0092B-C50C-407E-A947-70E740481C1C}">
+                <a14:useLocalDpi xmlns:a14="http://schemas.microsoft.com/office/drawing/2010/main" val="0"/>
+              </a:ext>
+            </a:extLst>
+          </a:blip>
+          <a:stretch>
+            <a:fillRect/>
+          </a:stretch>
+        </p:blipFill>
+        <p:spPr>
+          <a:xfrm>
+            <a:off x="9964057" y="5901700"/>
+            <a:ext cx="7162800" cy="4029075"/>
+          </a:xfrm>
+          <a:prstGeom prst="rect">
+            <a:avLst/>
+          </a:prstGeom>
+        </p:spPr>
+      </p:pic>
+    </p:spTree>
+    <p:extLst>
+      <p:ext uri="{BB962C8B-B14F-4D97-AF65-F5344CB8AC3E}">
+        <p14:creationId xmlns:p14="http://schemas.microsoft.com/office/powerpoint/2010/main" val="1351462389"/>
+      </p:ext>
+    </p:extLst>
+  </p:cSld>
+  <p:clrMapOvr>
+    <a:masterClrMapping/>
+  </p:clrMapOvr>
+  <p:timing>
+    <p:tnLst>
+      <p:par>
+        <p:cTn id="1" dur="indefinite" restart="never" nodeType="tmRoot"/>
+      </p:par>
+    </p:tnLst>
+  </p:timing>
+</p:sld>
+</file>
+
+<file path=ppt/slides/slide8.xml><?xml version="1.0" encoding="utf-8"?>
+<p:sld xmlns:a="http://schemas.openxmlformats.org/drawingml/2006/main" xmlns:r="http://schemas.openxmlformats.org/officeDocument/2006/relationships" xmlns:p="http://schemas.openxmlformats.org/presentationml/2006/main">
+  <p:cSld>
+    <p:bg>
+      <p:bgPr>
+        <a:solidFill>
+          <a:srgbClr val="292929"/>
+        </a:solidFill>
+        <a:effectLst/>
+      </p:bgPr>
+    </p:bg>
+    <p:spTree>
+      <p:nvGrpSpPr>
+        <p:cNvPr id="1" name=""/>
+        <p:cNvGrpSpPr/>
+        <p:nvPr/>
+      </p:nvGrpSpPr>
+      <p:grpSpPr>
+        <a:xfrm>
+          <a:off x="0" y="0"/>
+          <a:ext cx="0" cy="0"/>
+          <a:chOff x="0" y="0"/>
+          <a:chExt cx="0" cy="0"/>
+        </a:xfrm>
+      </p:grpSpPr>
+      <p:grpSp>
+        <p:nvGrpSpPr>
+          <p:cNvPr id="18" name="Group 18"/>
+          <p:cNvGrpSpPr/>
+          <p:nvPr/>
+        </p:nvGrpSpPr>
+        <p:grpSpPr>
+          <a:xfrm>
+            <a:off x="1028700" y="495300"/>
+            <a:ext cx="7277100" cy="2544970"/>
+            <a:chOff x="0" y="-9525"/>
+            <a:chExt cx="9702800" cy="3393294"/>
+          </a:xfrm>
+        </p:grpSpPr>
+        <p:sp>
+          <p:nvSpPr>
+            <p:cNvPr id="19" name="TextBox 19"/>
+            <p:cNvSpPr txBox="1"/>
+            <p:nvPr/>
+          </p:nvSpPr>
+          <p:spPr>
+            <a:xfrm>
+              <a:off x="0" y="-9525"/>
+              <a:ext cx="9702800" cy="1521784"/>
+            </a:xfrm>
+            <a:prstGeom prst="rect">
+              <a:avLst/>
+            </a:prstGeom>
+          </p:spPr>
+          <p:txBody>
+            <a:bodyPr wrap="square" lIns="0" tIns="0" rIns="0" bIns="0" rtlCol="0" anchor="t">
+              <a:spAutoFit/>
+            </a:bodyPr>
+            <a:lstStyle/>
+            <a:p>
+              <a:pPr>
+                <a:lnSpc>
+                  <a:spcPts val="8880"/>
+                </a:lnSpc>
+              </a:pPr>
+              <a:r>
+                <a:rPr lang="en-US" sz="7400" dirty="0" smtClean="0">
+                  <a:solidFill>
+                    <a:srgbClr val="FFFFFF"/>
+                  </a:solidFill>
+                  <a:latin typeface="Barlow Condensed Bold"/>
+                </a:rPr>
+                <a:t>Mobil </a:t>
+              </a:r>
+              <a:r>
+                <a:rPr lang="en-US" sz="7400" dirty="0" err="1" smtClean="0">
+                  <a:solidFill>
+                    <a:srgbClr val="FFFFFF"/>
+                  </a:solidFill>
+                  <a:latin typeface="Barlow Condensed Bold"/>
+                </a:rPr>
+                <a:t>qismi</a:t>
+              </a:r>
+              <a:r>
+                <a:rPr lang="en-US" sz="7400" dirty="0" smtClean="0">
+                  <a:solidFill>
+                    <a:srgbClr val="FFFFFF"/>
+                  </a:solidFill>
+                  <a:latin typeface="Barlow Condensed Bold"/>
+                </a:rPr>
+                <a:t>:</a:t>
+              </a:r>
+              <a:endParaRPr lang="en-US" sz="7400" dirty="0">
                 <a:solidFill>
-                  <a:srgbClr val="009444"/>
+                  <a:srgbClr val="FFFFFF"/>
                 </a:solidFill>
-                <a:latin typeface="Barlow Bold"/>
-              </a:rPr>
-              <a:t>Veb dasturchi:</a:t>
-            </a:r>
-            <a:r>
-              <a:rPr lang="en-US" sz="4299">
-                <a:solidFill>
-                  <a:srgbClr val="009444"/>
-                </a:solidFill>
-                <a:latin typeface="Barlow Light"/>
-              </a:rPr>
-              <a:t> </a:t>
-            </a:r>
-            <a:r>
-              <a:rPr lang="en-US" sz="4299">
+                <a:latin typeface="Barlow Condensed Bold"/>
+              </a:endParaRPr>
+            </a:p>
+          </p:txBody>
+        </p:sp>
+        <p:sp>
+          <p:nvSpPr>
+            <p:cNvPr id="20" name="TextBox 20"/>
+            <p:cNvSpPr txBox="1"/>
+            <p:nvPr/>
+          </p:nvSpPr>
+          <p:spPr>
+            <a:xfrm>
+              <a:off x="0" y="2729084"/>
+              <a:ext cx="7945337" cy="654685"/>
+            </a:xfrm>
+            <a:prstGeom prst="rect">
+              <a:avLst/>
+            </a:prstGeom>
+          </p:spPr>
+          <p:txBody>
+            <a:bodyPr lIns="0" tIns="0" rIns="0" bIns="0" rtlCol="0" anchor="t">
+              <a:spAutoFit/>
+            </a:bodyPr>
+            <a:lstStyle/>
+            <a:p>
+              <a:pPr>
+                <a:lnSpc>
+                  <a:spcPts val="4200"/>
+                </a:lnSpc>
+              </a:pPr>
+              <a:endParaRPr lang="en-US" sz="2800" dirty="0">
                 <a:solidFill>
                   <a:srgbClr val="FFFFFF"/>
                 </a:solidFill>
                 <a:latin typeface="Barlow Light"/>
-              </a:rPr>
-              <a:t>Saydullaxonov Hasanxon</a:t>
-            </a:r>
-          </a:p>
-        </p:txBody>
-      </p:sp>
-      <p:sp>
-        <p:nvSpPr>
-          <p:cNvPr id="5" name="TextBox 5"/>
-          <p:cNvSpPr txBox="1"/>
+              </a:endParaRPr>
+            </a:p>
+          </p:txBody>
+        </p:sp>
+      </p:grpSp>
+      <p:pic>
+        <p:nvPicPr>
+          <p:cNvPr id="3" name="Рисунок 2"/>
+          <p:cNvPicPr>
+            <a:picLocks noChangeAspect="1"/>
+          </p:cNvPicPr>
           <p:nvPr/>
-        </p:nvSpPr>
+        </p:nvPicPr>
+        <p:blipFill>
+          <a:blip r:embed="rId2"/>
+          <a:stretch>
+            <a:fillRect/>
+          </a:stretch>
+        </p:blipFill>
         <p:spPr>
           <a:xfrm>
-            <a:off x="5907869" y="6689950"/>
-            <a:ext cx="10744200" cy="748030"/>
+            <a:off x="4902447" y="2148838"/>
+            <a:ext cx="3535986" cy="6340389"/>
           </a:xfrm>
           <a:prstGeom prst="rect">
             <a:avLst/>
           </a:prstGeom>
         </p:spPr>
-        <p:txBody>
-          <a:bodyPr lIns="0" tIns="0" rIns="0" bIns="0" rtlCol="0" anchor="t">
-            <a:spAutoFit/>
-          </a:bodyPr>
-          <a:lstStyle/>
-          <a:p>
-            <a:pPr>
-              <a:lnSpc>
-                <a:spcPts val="6019"/>
-              </a:lnSpc>
-            </a:pPr>
-            <a:r>
-              <a:rPr lang="en-US" sz="4299">
+      </p:pic>
+      <p:pic>
+        <p:nvPicPr>
+          <p:cNvPr id="4" name="Рисунок 3"/>
+          <p:cNvPicPr>
+            <a:picLocks noChangeAspect="1"/>
+          </p:cNvPicPr>
+          <p:nvPr/>
+        </p:nvPicPr>
+        <p:blipFill>
+          <a:blip r:embed="rId3"/>
+          <a:stretch>
+            <a:fillRect/>
+          </a:stretch>
+        </p:blipFill>
+        <p:spPr>
+          <a:xfrm>
+            <a:off x="838200" y="2171700"/>
+            <a:ext cx="3444538" cy="6317527"/>
+          </a:xfrm>
+          <a:prstGeom prst="rect">
+            <a:avLst/>
+          </a:prstGeom>
+        </p:spPr>
+      </p:pic>
+      <p:pic>
+        <p:nvPicPr>
+          <p:cNvPr id="5" name="Рисунок 4"/>
+          <p:cNvPicPr>
+            <a:picLocks noChangeAspect="1"/>
+          </p:cNvPicPr>
+          <p:nvPr/>
+        </p:nvPicPr>
+        <p:blipFill>
+          <a:blip r:embed="rId4"/>
+          <a:stretch>
+            <a:fillRect/>
+          </a:stretch>
+        </p:blipFill>
+        <p:spPr>
+          <a:xfrm>
+            <a:off x="8882503" y="2150742"/>
+            <a:ext cx="3629609" cy="6359441"/>
+          </a:xfrm>
+          <a:prstGeom prst="rect">
+            <a:avLst/>
+          </a:prstGeom>
+        </p:spPr>
+      </p:pic>
+      <p:pic>
+        <p:nvPicPr>
+          <p:cNvPr id="6" name="Рисунок 5"/>
+          <p:cNvPicPr>
+            <a:picLocks noChangeAspect="1"/>
+          </p:cNvPicPr>
+          <p:nvPr/>
+        </p:nvPicPr>
+        <p:blipFill>
+          <a:blip r:embed="rId5"/>
+          <a:stretch>
+            <a:fillRect/>
+          </a:stretch>
+        </p:blipFill>
+        <p:spPr>
+          <a:xfrm>
+            <a:off x="13030200" y="2145323"/>
+            <a:ext cx="3562093" cy="6285289"/>
+          </a:xfrm>
+          <a:prstGeom prst="rect">
+            <a:avLst/>
+          </a:prstGeom>
+        </p:spPr>
+      </p:pic>
+    </p:spTree>
+    <p:extLst>
+      <p:ext uri="{BB962C8B-B14F-4D97-AF65-F5344CB8AC3E}">
+        <p14:creationId xmlns:p14="http://schemas.microsoft.com/office/powerpoint/2010/main" val="1272935901"/>
+      </p:ext>
+    </p:extLst>
+  </p:cSld>
+  <p:clrMapOvr>
+    <a:masterClrMapping/>
+  </p:clrMapOvr>
+  <p:timing>
+    <p:tnLst>
+      <p:par>
+        <p:cTn id="1" dur="indefinite" restart="never" nodeType="tmRoot"/>
+      </p:par>
+    </p:tnLst>
+  </p:timing>
+</p:sld>
+</file>
+
+<file path=ppt/slides/slide9.xml><?xml version="1.0" encoding="utf-8"?>
+<p:sld xmlns:a="http://schemas.openxmlformats.org/drawingml/2006/main" xmlns:r="http://schemas.openxmlformats.org/officeDocument/2006/relationships" xmlns:p="http://schemas.openxmlformats.org/presentationml/2006/main">
+  <p:cSld>
+    <p:bg>
+      <p:bgPr>
+        <a:solidFill>
+          <a:srgbClr val="292929"/>
+        </a:solidFill>
+        <a:effectLst/>
+      </p:bgPr>
+    </p:bg>
+    <p:spTree>
+      <p:nvGrpSpPr>
+        <p:cNvPr id="1" name=""/>
+        <p:cNvGrpSpPr/>
+        <p:nvPr/>
+      </p:nvGrpSpPr>
+      <p:grpSpPr>
+        <a:xfrm>
+          <a:off x="0" y="0"/>
+          <a:ext cx="0" cy="0"/>
+          <a:chOff x="0" y="0"/>
+          <a:chExt cx="0" cy="0"/>
+        </a:xfrm>
+      </p:grpSpPr>
+      <p:grpSp>
+        <p:nvGrpSpPr>
+          <p:cNvPr id="18" name="Group 18"/>
+          <p:cNvGrpSpPr/>
+          <p:nvPr/>
+        </p:nvGrpSpPr>
+        <p:grpSpPr>
+          <a:xfrm>
+            <a:off x="1028700" y="495300"/>
+            <a:ext cx="7277100" cy="2544970"/>
+            <a:chOff x="0" y="-9525"/>
+            <a:chExt cx="9702800" cy="3393294"/>
+          </a:xfrm>
+        </p:grpSpPr>
+        <p:sp>
+          <p:nvSpPr>
+            <p:cNvPr id="19" name="TextBox 19"/>
+            <p:cNvSpPr txBox="1"/>
+            <p:nvPr/>
+          </p:nvSpPr>
+          <p:spPr>
+            <a:xfrm>
+              <a:off x="0" y="-9525"/>
+              <a:ext cx="9702800" cy="1521784"/>
+            </a:xfrm>
+            <a:prstGeom prst="rect">
+              <a:avLst/>
+            </a:prstGeom>
+          </p:spPr>
+          <p:txBody>
+            <a:bodyPr wrap="square" lIns="0" tIns="0" rIns="0" bIns="0" rtlCol="0" anchor="t">
+              <a:spAutoFit/>
+            </a:bodyPr>
+            <a:lstStyle/>
+            <a:p>
+              <a:pPr>
+                <a:lnSpc>
+                  <a:spcPts val="8880"/>
+                </a:lnSpc>
+              </a:pPr>
+              <a:r>
+                <a:rPr lang="en-US" sz="7400" dirty="0" err="1" smtClean="0">
+                  <a:solidFill>
+                    <a:srgbClr val="FFFFFF"/>
+                  </a:solidFill>
+                  <a:latin typeface="Barlow Condensed Bold"/>
+                </a:rPr>
+                <a:t>Ma’lumotlar</a:t>
+              </a:r>
+              <a:r>
+                <a:rPr lang="en-US" sz="7400" dirty="0" smtClean="0">
+                  <a:solidFill>
+                    <a:srgbClr val="FFFFFF"/>
+                  </a:solidFill>
+                  <a:latin typeface="Barlow Condensed Bold"/>
+                </a:rPr>
+                <a:t> </a:t>
+              </a:r>
+              <a:r>
+                <a:rPr lang="en-US" sz="7400" dirty="0" err="1" smtClean="0">
+                  <a:solidFill>
+                    <a:srgbClr val="FFFFFF"/>
+                  </a:solidFill>
+                  <a:latin typeface="Barlow Condensed Bold"/>
+                </a:rPr>
+                <a:t>bazasi</a:t>
+              </a:r>
+              <a:r>
+                <a:rPr lang="en-US" sz="7400" dirty="0" smtClean="0">
+                  <a:solidFill>
+                    <a:srgbClr val="FFFFFF"/>
+                  </a:solidFill>
+                  <a:latin typeface="Barlow Condensed Bold"/>
+                </a:rPr>
+                <a:t>:</a:t>
+              </a:r>
+              <a:endParaRPr lang="en-US" sz="7400" dirty="0">
                 <a:solidFill>
-                  <a:srgbClr val="009444"/>
+                  <a:srgbClr val="FFFFFF"/>
                 </a:solidFill>
-                <a:latin typeface="Barlow Bold"/>
-              </a:rPr>
-              <a:t>Full stack:</a:t>
-            </a:r>
-            <a:r>
-              <a:rPr lang="en-US" sz="4299">
-                <a:solidFill>
-                  <a:srgbClr val="009444"/>
-                </a:solidFill>
-                <a:latin typeface="Barlow Light"/>
-              </a:rPr>
-              <a:t> </a:t>
-            </a:r>
-            <a:r>
-              <a:rPr lang="en-US" sz="4299">
+                <a:latin typeface="Barlow Condensed Bold"/>
+              </a:endParaRPr>
+            </a:p>
+          </p:txBody>
+        </p:sp>
+        <p:sp>
+          <p:nvSpPr>
+            <p:cNvPr id="20" name="TextBox 20"/>
+            <p:cNvSpPr txBox="1"/>
+            <p:nvPr/>
+          </p:nvSpPr>
+          <p:spPr>
+            <a:xfrm>
+              <a:off x="0" y="2729084"/>
+              <a:ext cx="7945337" cy="654685"/>
+            </a:xfrm>
+            <a:prstGeom prst="rect">
+              <a:avLst/>
+            </a:prstGeom>
+          </p:spPr>
+          <p:txBody>
+            <a:bodyPr lIns="0" tIns="0" rIns="0" bIns="0" rtlCol="0" anchor="t">
+              <a:spAutoFit/>
+            </a:bodyPr>
+            <a:lstStyle/>
+            <a:p>
+              <a:pPr>
+                <a:lnSpc>
+                  <a:spcPts val="4200"/>
+                </a:lnSpc>
+              </a:pPr>
+              <a:endParaRPr lang="en-US" sz="2800" dirty="0">
                 <a:solidFill>
                   <a:srgbClr val="FFFFFF"/>
                 </a:solidFill>
                 <a:latin typeface="Barlow Light"/>
-              </a:rPr>
-              <a:t>Azamatjon Muhammadjonov</a:t>
-            </a:r>
-          </a:p>
-        </p:txBody>
-      </p:sp>
-      <p:grpSp>
-        <p:nvGrpSpPr>
-          <p:cNvPr id="6" name="Group 6"/>
-          <p:cNvGrpSpPr/>
-          <p:nvPr/>
-        </p:nvGrpSpPr>
-        <p:grpSpPr>
-          <a:xfrm>
-            <a:off x="6701735" y="2273550"/>
-            <a:ext cx="162052" cy="162052"/>
-            <a:chOff x="0" y="0"/>
-            <a:chExt cx="6350000" cy="6350000"/>
-          </a:xfrm>
-        </p:grpSpPr>
-        <p:sp>
-          <p:nvSpPr>
-            <p:cNvPr id="7" name="Freeform 7"/>
-            <p:cNvSpPr/>
-            <p:nvPr/>
-          </p:nvSpPr>
-          <p:spPr>
-            <a:xfrm>
-              <a:off x="0" y="0"/>
-              <a:ext cx="6350000" cy="6350000"/>
-            </a:xfrm>
-            <a:custGeom>
-              <a:avLst/>
-              <a:gdLst/>
-              <a:ahLst/>
-              <a:cxnLst/>
-              <a:rect l="l" t="t" r="r" b="b"/>
-              <a:pathLst>
-                <a:path w="6350000" h="6350000">
-                  <a:moveTo>
-                    <a:pt x="3175000" y="0"/>
-                  </a:moveTo>
-                  <a:cubicBezTo>
-                    <a:pt x="1421496" y="0"/>
-                    <a:pt x="0" y="1421496"/>
-                    <a:pt x="0" y="3175000"/>
-                  </a:cubicBezTo>
-                  <a:cubicBezTo>
-                    <a:pt x="0" y="4928504"/>
-                    <a:pt x="1421496" y="6350000"/>
-                    <a:pt x="3175000" y="6350000"/>
-                  </a:cubicBezTo>
-                  <a:cubicBezTo>
-                    <a:pt x="4928504" y="6350000"/>
-                    <a:pt x="6350000" y="4928504"/>
-                    <a:pt x="6350000" y="3175000"/>
-                  </a:cubicBezTo>
-                  <a:cubicBezTo>
-                    <a:pt x="6350000" y="1421496"/>
-                    <a:pt x="4928504" y="0"/>
-                    <a:pt x="3175000" y="0"/>
-                  </a:cubicBezTo>
-                  <a:close/>
-                </a:path>
-              </a:pathLst>
-            </a:custGeom>
-            <a:solidFill>
-              <a:srgbClr val="009444"/>
-            </a:solidFill>
-          </p:spPr>
+              </a:endParaRPr>
+            </a:p>
+          </p:txBody>
         </p:sp>
       </p:grpSp>
-      <p:grpSp>
-        <p:nvGrpSpPr>
-          <p:cNvPr id="8" name="Group 8"/>
-          <p:cNvGrpSpPr/>
+      <p:pic>
+        <p:nvPicPr>
+          <p:cNvPr id="2" name="Рисунок 1"/>
+          <p:cNvPicPr>
+            <a:picLocks noChangeAspect="1"/>
+          </p:cNvPicPr>
           <p:nvPr/>
-        </p:nvGrpSpPr>
-        <p:grpSpPr>
-          <a:xfrm>
-            <a:off x="6701735" y="2875666"/>
-            <a:ext cx="162052" cy="162052"/>
-            <a:chOff x="0" y="0"/>
-            <a:chExt cx="6350000" cy="6350000"/>
-          </a:xfrm>
-        </p:grpSpPr>
-        <p:sp>
-          <p:nvSpPr>
-            <p:cNvPr id="9" name="Freeform 9"/>
-            <p:cNvSpPr/>
-            <p:nvPr/>
-          </p:nvSpPr>
-          <p:spPr>
-            <a:xfrm>
-              <a:off x="0" y="0"/>
-              <a:ext cx="6350000" cy="6350000"/>
-            </a:xfrm>
-            <a:custGeom>
-              <a:avLst/>
-              <a:gdLst/>
-              <a:ahLst/>
-              <a:cxnLst/>
-              <a:rect l="l" t="t" r="r" b="b"/>
-              <a:pathLst>
-                <a:path w="6350000" h="6350000">
-                  <a:moveTo>
-                    <a:pt x="3175000" y="0"/>
-                  </a:moveTo>
-                  <a:cubicBezTo>
-                    <a:pt x="1421496" y="0"/>
-                    <a:pt x="0" y="1421496"/>
-                    <a:pt x="0" y="3175000"/>
-                  </a:cubicBezTo>
-                  <a:cubicBezTo>
-                    <a:pt x="0" y="4928504"/>
-                    <a:pt x="1421496" y="6350000"/>
-                    <a:pt x="3175000" y="6350000"/>
-                  </a:cubicBezTo>
-                  <a:cubicBezTo>
-                    <a:pt x="4928504" y="6350000"/>
-                    <a:pt x="6350000" y="4928504"/>
-                    <a:pt x="6350000" y="3175000"/>
-                  </a:cubicBezTo>
-                  <a:cubicBezTo>
-                    <a:pt x="6350000" y="1421496"/>
-                    <a:pt x="4928504" y="0"/>
-                    <a:pt x="3175000" y="0"/>
-                  </a:cubicBezTo>
-                  <a:close/>
-                </a:path>
-              </a:pathLst>
-            </a:custGeom>
-            <a:solidFill>
-              <a:srgbClr val="009444"/>
-            </a:solidFill>
-          </p:spPr>
-        </p:sp>
-      </p:grpSp>
-      <p:grpSp>
-        <p:nvGrpSpPr>
-          <p:cNvPr id="10" name="Group 10"/>
-          <p:cNvGrpSpPr/>
-          <p:nvPr/>
-        </p:nvGrpSpPr>
-        <p:grpSpPr>
-          <a:xfrm>
-            <a:off x="6701735" y="3477782"/>
-            <a:ext cx="162052" cy="162052"/>
-            <a:chOff x="0" y="0"/>
-            <a:chExt cx="6350000" cy="6350000"/>
-          </a:xfrm>
-        </p:grpSpPr>
-        <p:sp>
-          <p:nvSpPr>
-            <p:cNvPr id="11" name="Freeform 11"/>
-            <p:cNvSpPr/>
-            <p:nvPr/>
-          </p:nvSpPr>
-          <p:spPr>
-            <a:xfrm>
-              <a:off x="0" y="0"/>
-              <a:ext cx="6350000" cy="6350000"/>
-            </a:xfrm>
-            <a:custGeom>
-              <a:avLst/>
-              <a:gdLst/>
-              <a:ahLst/>
-              <a:cxnLst/>
-              <a:rect l="l" t="t" r="r" b="b"/>
-              <a:pathLst>
-                <a:path w="6350000" h="6350000">
-                  <a:moveTo>
-                    <a:pt x="3175000" y="0"/>
-                  </a:moveTo>
-                  <a:cubicBezTo>
-                    <a:pt x="1421496" y="0"/>
-                    <a:pt x="0" y="1421496"/>
-                    <a:pt x="0" y="3175000"/>
-                  </a:cubicBezTo>
-                  <a:cubicBezTo>
-                    <a:pt x="0" y="4928504"/>
-                    <a:pt x="1421496" y="6350000"/>
-                    <a:pt x="3175000" y="6350000"/>
-                  </a:cubicBezTo>
-                  <a:cubicBezTo>
-                    <a:pt x="4928504" y="6350000"/>
-                    <a:pt x="6350000" y="4928504"/>
-                    <a:pt x="6350000" y="3175000"/>
-                  </a:cubicBezTo>
-                  <a:cubicBezTo>
-                    <a:pt x="6350000" y="1421496"/>
-                    <a:pt x="4928504" y="0"/>
-                    <a:pt x="3175000" y="0"/>
-                  </a:cubicBezTo>
-                  <a:close/>
-                </a:path>
-              </a:pathLst>
-            </a:custGeom>
-            <a:solidFill>
-              <a:srgbClr val="009444"/>
-            </a:solidFill>
-          </p:spPr>
-        </p:sp>
-      </p:grpSp>
-      <p:sp>
-        <p:nvSpPr>
-          <p:cNvPr id="12" name="TextBox 12"/>
-          <p:cNvSpPr txBox="1"/>
-          <p:nvPr/>
-        </p:nvSpPr>
+        </p:nvPicPr>
+        <p:blipFill>
+          <a:blip r:embed="rId2"/>
+          <a:stretch>
+            <a:fillRect/>
+          </a:stretch>
+        </p:blipFill>
         <p:spPr>
           <a:xfrm>
-            <a:off x="7285161" y="2011358"/>
-            <a:ext cx="1883450" cy="553086"/>
+            <a:off x="2667000" y="1668876"/>
+            <a:ext cx="14211300" cy="8088688"/>
           </a:xfrm>
           <a:prstGeom prst="rect">
             <a:avLst/>
           </a:prstGeom>
         </p:spPr>
-        <p:txBody>
-          <a:bodyPr lIns="0" tIns="0" rIns="0" bIns="0" rtlCol="0" anchor="t">
-            <a:spAutoFit/>
-          </a:bodyPr>
-          <a:lstStyle/>
-          <a:p>
-            <a:pPr algn="ctr">
-              <a:lnSpc>
-                <a:spcPts val="4479"/>
-              </a:lnSpc>
-              <a:spcBef>
-                <a:spcPct val="0"/>
-              </a:spcBef>
-            </a:pPr>
-            <a:r>
-              <a:rPr lang="en-US" sz="2799">
-                <a:solidFill>
-                  <a:srgbClr val="FFFFFF"/>
-                </a:solidFill>
-                <a:latin typeface="Poppins Light"/>
-              </a:rPr>
-              <a:t>Photoshop</a:t>
-            </a:r>
-          </a:p>
-        </p:txBody>
-      </p:sp>
-      <p:sp>
-        <p:nvSpPr>
-          <p:cNvPr id="13" name="TextBox 13"/>
-          <p:cNvSpPr txBox="1"/>
-          <p:nvPr/>
-        </p:nvSpPr>
-        <p:spPr>
-          <a:xfrm>
-            <a:off x="7255157" y="2613474"/>
-            <a:ext cx="1943457" cy="553086"/>
-          </a:xfrm>
-          <a:prstGeom prst="rect">
-            <a:avLst/>
-          </a:prstGeom>
-        </p:spPr>
-        <p:txBody>
-          <a:bodyPr lIns="0" tIns="0" rIns="0" bIns="0" rtlCol="0" anchor="t">
-            <a:spAutoFit/>
-          </a:bodyPr>
-          <a:lstStyle/>
-          <a:p>
-            <a:pPr algn="ctr">
-              <a:lnSpc>
-                <a:spcPts val="4479"/>
-              </a:lnSpc>
-              <a:spcBef>
-                <a:spcPct val="0"/>
-              </a:spcBef>
-            </a:pPr>
-            <a:r>
-              <a:rPr lang="en-US" sz="2799">
-                <a:solidFill>
-                  <a:srgbClr val="FFFFFF"/>
-                </a:solidFill>
-                <a:latin typeface="Poppins Light"/>
-              </a:rPr>
-              <a:t>CorallDraw</a:t>
-            </a:r>
-          </a:p>
-        </p:txBody>
-      </p:sp>
-      <p:sp>
-        <p:nvSpPr>
-          <p:cNvPr id="14" name="TextBox 14"/>
-          <p:cNvSpPr txBox="1"/>
-          <p:nvPr/>
-        </p:nvSpPr>
-        <p:spPr>
-          <a:xfrm>
-            <a:off x="7295876" y="3249155"/>
-            <a:ext cx="2888218" cy="553086"/>
-          </a:xfrm>
-          <a:prstGeom prst="rect">
-            <a:avLst/>
-          </a:prstGeom>
-        </p:spPr>
-        <p:txBody>
-          <a:bodyPr lIns="0" tIns="0" rIns="0" bIns="0" rtlCol="0" anchor="t">
-            <a:spAutoFit/>
-          </a:bodyPr>
-          <a:lstStyle/>
-          <a:p>
-            <a:pPr algn="ctr">
-              <a:lnSpc>
-                <a:spcPts val="4479"/>
-              </a:lnSpc>
-              <a:spcBef>
-                <a:spcPct val="0"/>
-              </a:spcBef>
-            </a:pPr>
-            <a:r>
-              <a:rPr lang="en-US" sz="2799">
-                <a:solidFill>
-                  <a:srgbClr val="FFFFFF"/>
-                </a:solidFill>
-                <a:latin typeface="Poppins Light"/>
-              </a:rPr>
-              <a:t>Adobe Illustrator</a:t>
-            </a:r>
-          </a:p>
-        </p:txBody>
-      </p:sp>
-      <p:grpSp>
-        <p:nvGrpSpPr>
-          <p:cNvPr id="15" name="Group 15"/>
-          <p:cNvGrpSpPr/>
-          <p:nvPr/>
-        </p:nvGrpSpPr>
-        <p:grpSpPr>
-          <a:xfrm>
-            <a:off x="6782761" y="4983913"/>
-            <a:ext cx="162052" cy="162052"/>
-            <a:chOff x="0" y="0"/>
-            <a:chExt cx="6350000" cy="6350000"/>
-          </a:xfrm>
-        </p:grpSpPr>
-        <p:sp>
-          <p:nvSpPr>
-            <p:cNvPr id="16" name="Freeform 16"/>
-            <p:cNvSpPr/>
-            <p:nvPr/>
-          </p:nvSpPr>
-          <p:spPr>
-            <a:xfrm>
-              <a:off x="0" y="0"/>
-              <a:ext cx="6350000" cy="6350000"/>
-            </a:xfrm>
-            <a:custGeom>
-              <a:avLst/>
-              <a:gdLst/>
-              <a:ahLst/>
-              <a:cxnLst/>
-              <a:rect l="l" t="t" r="r" b="b"/>
-              <a:pathLst>
-                <a:path w="6350000" h="6350000">
-                  <a:moveTo>
-                    <a:pt x="3175000" y="0"/>
-                  </a:moveTo>
-                  <a:cubicBezTo>
-                    <a:pt x="1421496" y="0"/>
-                    <a:pt x="0" y="1421496"/>
-                    <a:pt x="0" y="3175000"/>
-                  </a:cubicBezTo>
-                  <a:cubicBezTo>
-                    <a:pt x="0" y="4928504"/>
-                    <a:pt x="1421496" y="6350000"/>
-                    <a:pt x="3175000" y="6350000"/>
-                  </a:cubicBezTo>
-                  <a:cubicBezTo>
-                    <a:pt x="4928504" y="6350000"/>
-                    <a:pt x="6350000" y="4928504"/>
-                    <a:pt x="6350000" y="3175000"/>
-                  </a:cubicBezTo>
-                  <a:cubicBezTo>
-                    <a:pt x="6350000" y="1421496"/>
-                    <a:pt x="4928504" y="0"/>
-                    <a:pt x="3175000" y="0"/>
-                  </a:cubicBezTo>
-                  <a:close/>
-                </a:path>
-              </a:pathLst>
-            </a:custGeom>
-            <a:solidFill>
-              <a:srgbClr val="009444"/>
-            </a:solidFill>
-          </p:spPr>
-        </p:sp>
-      </p:grpSp>
-      <p:grpSp>
-        <p:nvGrpSpPr>
-          <p:cNvPr id="17" name="Group 17"/>
-          <p:cNvGrpSpPr/>
-          <p:nvPr/>
-        </p:nvGrpSpPr>
-        <p:grpSpPr>
-          <a:xfrm>
-            <a:off x="6782761" y="5586029"/>
-            <a:ext cx="162052" cy="162052"/>
-            <a:chOff x="0" y="0"/>
-            <a:chExt cx="6350000" cy="6350000"/>
-          </a:xfrm>
-        </p:grpSpPr>
-        <p:sp>
-          <p:nvSpPr>
-            <p:cNvPr id="18" name="Freeform 18"/>
-            <p:cNvSpPr/>
-            <p:nvPr/>
-          </p:nvSpPr>
-          <p:spPr>
-            <a:xfrm>
-              <a:off x="0" y="0"/>
-              <a:ext cx="6350000" cy="6350000"/>
-            </a:xfrm>
-            <a:custGeom>
-              <a:avLst/>
-              <a:gdLst/>
-              <a:ahLst/>
-              <a:cxnLst/>
-              <a:rect l="l" t="t" r="r" b="b"/>
-              <a:pathLst>
-                <a:path w="6350000" h="6350000">
-                  <a:moveTo>
-                    <a:pt x="3175000" y="0"/>
-                  </a:moveTo>
-                  <a:cubicBezTo>
-                    <a:pt x="1421496" y="0"/>
-                    <a:pt x="0" y="1421496"/>
-                    <a:pt x="0" y="3175000"/>
-                  </a:cubicBezTo>
-                  <a:cubicBezTo>
-                    <a:pt x="0" y="4928504"/>
-                    <a:pt x="1421496" y="6350000"/>
-                    <a:pt x="3175000" y="6350000"/>
-                  </a:cubicBezTo>
-                  <a:cubicBezTo>
-                    <a:pt x="4928504" y="6350000"/>
-                    <a:pt x="6350000" y="4928504"/>
-                    <a:pt x="6350000" y="3175000"/>
-                  </a:cubicBezTo>
-                  <a:cubicBezTo>
-                    <a:pt x="6350000" y="1421496"/>
-                    <a:pt x="4928504" y="0"/>
-                    <a:pt x="3175000" y="0"/>
-                  </a:cubicBezTo>
-                  <a:close/>
-                </a:path>
-              </a:pathLst>
-            </a:custGeom>
-            <a:solidFill>
-              <a:srgbClr val="009444"/>
-            </a:solidFill>
-          </p:spPr>
-        </p:sp>
-      </p:grpSp>
-      <p:grpSp>
-        <p:nvGrpSpPr>
-          <p:cNvPr id="19" name="Group 19"/>
-          <p:cNvGrpSpPr/>
-          <p:nvPr/>
-        </p:nvGrpSpPr>
-        <p:grpSpPr>
-          <a:xfrm>
-            <a:off x="6782761" y="6188145"/>
-            <a:ext cx="162052" cy="162052"/>
-            <a:chOff x="0" y="0"/>
-            <a:chExt cx="6350000" cy="6350000"/>
-          </a:xfrm>
-        </p:grpSpPr>
-        <p:sp>
-          <p:nvSpPr>
-            <p:cNvPr id="20" name="Freeform 20"/>
-            <p:cNvSpPr/>
-            <p:nvPr/>
-          </p:nvSpPr>
-          <p:spPr>
-            <a:xfrm>
-              <a:off x="0" y="0"/>
-              <a:ext cx="6350000" cy="6350000"/>
-            </a:xfrm>
-            <a:custGeom>
-              <a:avLst/>
-              <a:gdLst/>
-              <a:ahLst/>
-              <a:cxnLst/>
-              <a:rect l="l" t="t" r="r" b="b"/>
-              <a:pathLst>
-                <a:path w="6350000" h="6350000">
-                  <a:moveTo>
-                    <a:pt x="3175000" y="0"/>
-                  </a:moveTo>
-                  <a:cubicBezTo>
-                    <a:pt x="1421496" y="0"/>
-                    <a:pt x="0" y="1421496"/>
-                    <a:pt x="0" y="3175000"/>
-                  </a:cubicBezTo>
-                  <a:cubicBezTo>
-                    <a:pt x="0" y="4928504"/>
-                    <a:pt x="1421496" y="6350000"/>
-                    <a:pt x="3175000" y="6350000"/>
-                  </a:cubicBezTo>
-                  <a:cubicBezTo>
-                    <a:pt x="4928504" y="6350000"/>
-                    <a:pt x="6350000" y="4928504"/>
-                    <a:pt x="6350000" y="3175000"/>
-                  </a:cubicBezTo>
-                  <a:cubicBezTo>
-                    <a:pt x="6350000" y="1421496"/>
-                    <a:pt x="4928504" y="0"/>
-                    <a:pt x="3175000" y="0"/>
-                  </a:cubicBezTo>
-                  <a:close/>
-                </a:path>
-              </a:pathLst>
-            </a:custGeom>
-            <a:solidFill>
-              <a:srgbClr val="009444"/>
-            </a:solidFill>
-          </p:spPr>
-        </p:sp>
-      </p:grpSp>
-      <p:sp>
-        <p:nvSpPr>
-          <p:cNvPr id="21" name="TextBox 21"/>
-          <p:cNvSpPr txBox="1"/>
-          <p:nvPr/>
-        </p:nvSpPr>
-        <p:spPr>
-          <a:xfrm>
-            <a:off x="7432445" y="4721721"/>
-            <a:ext cx="875467" cy="553086"/>
-          </a:xfrm>
-          <a:prstGeom prst="rect">
-            <a:avLst/>
-          </a:prstGeom>
-        </p:spPr>
-        <p:txBody>
-          <a:bodyPr lIns="0" tIns="0" rIns="0" bIns="0" rtlCol="0" anchor="t">
-            <a:spAutoFit/>
-          </a:bodyPr>
-          <a:lstStyle/>
-          <a:p>
-            <a:pPr algn="ctr">
-              <a:lnSpc>
-                <a:spcPts val="4479"/>
-              </a:lnSpc>
-              <a:spcBef>
-                <a:spcPct val="0"/>
-              </a:spcBef>
-            </a:pPr>
-            <a:r>
-              <a:rPr lang="en-US" sz="2799">
-                <a:solidFill>
-                  <a:srgbClr val="FFFFFF"/>
-                </a:solidFill>
-                <a:latin typeface="Poppins Light"/>
-              </a:rPr>
-              <a:t>HTML</a:t>
-            </a:r>
-          </a:p>
-        </p:txBody>
-      </p:sp>
-      <p:sp>
-        <p:nvSpPr>
-          <p:cNvPr id="22" name="TextBox 22"/>
-          <p:cNvSpPr txBox="1"/>
-          <p:nvPr/>
-        </p:nvSpPr>
-        <p:spPr>
-          <a:xfrm>
-            <a:off x="7432445" y="5340620"/>
-            <a:ext cx="636865" cy="553086"/>
-          </a:xfrm>
-          <a:prstGeom prst="rect">
-            <a:avLst/>
-          </a:prstGeom>
-        </p:spPr>
-        <p:txBody>
-          <a:bodyPr lIns="0" tIns="0" rIns="0" bIns="0" rtlCol="0" anchor="t">
-            <a:spAutoFit/>
-          </a:bodyPr>
-          <a:lstStyle/>
-          <a:p>
-            <a:pPr algn="ctr">
-              <a:lnSpc>
-                <a:spcPts val="4479"/>
-              </a:lnSpc>
-              <a:spcBef>
-                <a:spcPct val="0"/>
-              </a:spcBef>
-            </a:pPr>
-            <a:r>
-              <a:rPr lang="en-US" sz="2799">
-                <a:solidFill>
-                  <a:srgbClr val="FFFFFF"/>
-                </a:solidFill>
-                <a:latin typeface="Poppins Light"/>
-              </a:rPr>
-              <a:t>Css</a:t>
-            </a:r>
-          </a:p>
-        </p:txBody>
-      </p:sp>
-      <p:sp>
-        <p:nvSpPr>
-          <p:cNvPr id="23" name="TextBox 23"/>
-          <p:cNvSpPr txBox="1"/>
-          <p:nvPr/>
-        </p:nvSpPr>
-        <p:spPr>
-          <a:xfrm>
-            <a:off x="7432445" y="5960380"/>
-            <a:ext cx="1827967" cy="553086"/>
-          </a:xfrm>
-          <a:prstGeom prst="rect">
-            <a:avLst/>
-          </a:prstGeom>
-        </p:spPr>
-        <p:txBody>
-          <a:bodyPr lIns="0" tIns="0" rIns="0" bIns="0" rtlCol="0" anchor="t">
-            <a:spAutoFit/>
-          </a:bodyPr>
-          <a:lstStyle/>
-          <a:p>
-            <a:pPr algn="ctr">
-              <a:lnSpc>
-                <a:spcPts val="4479"/>
-              </a:lnSpc>
-              <a:spcBef>
-                <a:spcPct val="0"/>
-              </a:spcBef>
-            </a:pPr>
-            <a:r>
-              <a:rPr lang="en-US" sz="2799">
-                <a:solidFill>
-                  <a:srgbClr val="FFFFFF"/>
-                </a:solidFill>
-                <a:latin typeface="Poppins Light"/>
-              </a:rPr>
-              <a:t>Javascript</a:t>
-            </a:r>
-          </a:p>
-        </p:txBody>
-      </p:sp>
-      <p:grpSp>
-        <p:nvGrpSpPr>
-          <p:cNvPr id="24" name="Group 24"/>
-          <p:cNvGrpSpPr/>
-          <p:nvPr/>
-        </p:nvGrpSpPr>
-        <p:grpSpPr>
-          <a:xfrm>
-            <a:off x="6782761" y="7747797"/>
-            <a:ext cx="162052" cy="162052"/>
-            <a:chOff x="0" y="0"/>
-            <a:chExt cx="6350000" cy="6350000"/>
-          </a:xfrm>
-        </p:grpSpPr>
-        <p:sp>
-          <p:nvSpPr>
-            <p:cNvPr id="25" name="Freeform 25"/>
-            <p:cNvSpPr/>
-            <p:nvPr/>
-          </p:nvSpPr>
-          <p:spPr>
-            <a:xfrm>
-              <a:off x="0" y="0"/>
-              <a:ext cx="6350000" cy="6350000"/>
-            </a:xfrm>
-            <a:custGeom>
-              <a:avLst/>
-              <a:gdLst/>
-              <a:ahLst/>
-              <a:cxnLst/>
-              <a:rect l="l" t="t" r="r" b="b"/>
-              <a:pathLst>
-                <a:path w="6350000" h="6350000">
-                  <a:moveTo>
-                    <a:pt x="3175000" y="0"/>
-                  </a:moveTo>
-                  <a:cubicBezTo>
-                    <a:pt x="1421496" y="0"/>
-                    <a:pt x="0" y="1421496"/>
-                    <a:pt x="0" y="3175000"/>
-                  </a:cubicBezTo>
-                  <a:cubicBezTo>
-                    <a:pt x="0" y="4928504"/>
-                    <a:pt x="1421496" y="6350000"/>
-                    <a:pt x="3175000" y="6350000"/>
-                  </a:cubicBezTo>
-                  <a:cubicBezTo>
-                    <a:pt x="4928504" y="6350000"/>
-                    <a:pt x="6350000" y="4928504"/>
-                    <a:pt x="6350000" y="3175000"/>
-                  </a:cubicBezTo>
-                  <a:cubicBezTo>
-                    <a:pt x="6350000" y="1421496"/>
-                    <a:pt x="4928504" y="0"/>
-                    <a:pt x="3175000" y="0"/>
-                  </a:cubicBezTo>
-                  <a:close/>
-                </a:path>
-              </a:pathLst>
-            </a:custGeom>
-            <a:solidFill>
-              <a:srgbClr val="009444"/>
-            </a:solidFill>
-          </p:spPr>
-        </p:sp>
-      </p:grpSp>
-      <p:grpSp>
-        <p:nvGrpSpPr>
-          <p:cNvPr id="26" name="Group 26"/>
-          <p:cNvGrpSpPr/>
-          <p:nvPr/>
-        </p:nvGrpSpPr>
-        <p:grpSpPr>
-          <a:xfrm>
-            <a:off x="6782761" y="8349913"/>
-            <a:ext cx="162052" cy="162052"/>
-            <a:chOff x="0" y="0"/>
-            <a:chExt cx="6350000" cy="6350000"/>
-          </a:xfrm>
-        </p:grpSpPr>
-        <p:sp>
-          <p:nvSpPr>
-            <p:cNvPr id="27" name="Freeform 27"/>
-            <p:cNvSpPr/>
-            <p:nvPr/>
-          </p:nvSpPr>
-          <p:spPr>
-            <a:xfrm>
-              <a:off x="0" y="0"/>
-              <a:ext cx="6350000" cy="6350000"/>
-            </a:xfrm>
-            <a:custGeom>
-              <a:avLst/>
-              <a:gdLst/>
-              <a:ahLst/>
-              <a:cxnLst/>
-              <a:rect l="l" t="t" r="r" b="b"/>
-              <a:pathLst>
-                <a:path w="6350000" h="6350000">
-                  <a:moveTo>
-                    <a:pt x="3175000" y="0"/>
-                  </a:moveTo>
-                  <a:cubicBezTo>
-                    <a:pt x="1421496" y="0"/>
-                    <a:pt x="0" y="1421496"/>
-                    <a:pt x="0" y="3175000"/>
-                  </a:cubicBezTo>
-                  <a:cubicBezTo>
-                    <a:pt x="0" y="4928504"/>
-                    <a:pt x="1421496" y="6350000"/>
-                    <a:pt x="3175000" y="6350000"/>
-                  </a:cubicBezTo>
-                  <a:cubicBezTo>
-                    <a:pt x="4928504" y="6350000"/>
-                    <a:pt x="6350000" y="4928504"/>
-                    <a:pt x="6350000" y="3175000"/>
-                  </a:cubicBezTo>
-                  <a:cubicBezTo>
-                    <a:pt x="6350000" y="1421496"/>
-                    <a:pt x="4928504" y="0"/>
-                    <a:pt x="3175000" y="0"/>
-                  </a:cubicBezTo>
-                  <a:close/>
-                </a:path>
-              </a:pathLst>
-            </a:custGeom>
-            <a:solidFill>
-              <a:srgbClr val="009444"/>
-            </a:solidFill>
-          </p:spPr>
-        </p:sp>
-      </p:grpSp>
-      <p:grpSp>
-        <p:nvGrpSpPr>
-          <p:cNvPr id="28" name="Group 28"/>
-          <p:cNvGrpSpPr/>
-          <p:nvPr/>
-        </p:nvGrpSpPr>
-        <p:grpSpPr>
-          <a:xfrm>
-            <a:off x="6782761" y="8952029"/>
-            <a:ext cx="162052" cy="162052"/>
-            <a:chOff x="0" y="0"/>
-            <a:chExt cx="6350000" cy="6350000"/>
-          </a:xfrm>
-        </p:grpSpPr>
-        <p:sp>
-          <p:nvSpPr>
-            <p:cNvPr id="29" name="Freeform 29"/>
-            <p:cNvSpPr/>
-            <p:nvPr/>
-          </p:nvSpPr>
-          <p:spPr>
-            <a:xfrm>
-              <a:off x="0" y="0"/>
-              <a:ext cx="6350000" cy="6350000"/>
-            </a:xfrm>
-            <a:custGeom>
-              <a:avLst/>
-              <a:gdLst/>
-              <a:ahLst/>
-              <a:cxnLst/>
-              <a:rect l="l" t="t" r="r" b="b"/>
-              <a:pathLst>
-                <a:path w="6350000" h="6350000">
-                  <a:moveTo>
-                    <a:pt x="3175000" y="0"/>
-                  </a:moveTo>
-                  <a:cubicBezTo>
-                    <a:pt x="1421496" y="0"/>
-                    <a:pt x="0" y="1421496"/>
-                    <a:pt x="0" y="3175000"/>
-                  </a:cubicBezTo>
-                  <a:cubicBezTo>
-                    <a:pt x="0" y="4928504"/>
-                    <a:pt x="1421496" y="6350000"/>
-                    <a:pt x="3175000" y="6350000"/>
-                  </a:cubicBezTo>
-                  <a:cubicBezTo>
-                    <a:pt x="4928504" y="6350000"/>
-                    <a:pt x="6350000" y="4928504"/>
-                    <a:pt x="6350000" y="3175000"/>
-                  </a:cubicBezTo>
-                  <a:cubicBezTo>
-                    <a:pt x="6350000" y="1421496"/>
-                    <a:pt x="4928504" y="0"/>
-                    <a:pt x="3175000" y="0"/>
-                  </a:cubicBezTo>
-                  <a:close/>
-                </a:path>
-              </a:pathLst>
-            </a:custGeom>
-            <a:solidFill>
-              <a:srgbClr val="009444"/>
-            </a:solidFill>
-          </p:spPr>
-        </p:sp>
-      </p:grpSp>
-      <p:sp>
-        <p:nvSpPr>
-          <p:cNvPr id="30" name="TextBox 30"/>
-          <p:cNvSpPr txBox="1"/>
-          <p:nvPr/>
-        </p:nvSpPr>
-        <p:spPr>
-          <a:xfrm>
-            <a:off x="7432445" y="7485605"/>
-            <a:ext cx="875467" cy="577081"/>
-          </a:xfrm>
-          <a:prstGeom prst="rect">
-            <a:avLst/>
-          </a:prstGeom>
-        </p:spPr>
-        <p:txBody>
-          <a:bodyPr wrap="square" lIns="0" tIns="0" rIns="0" bIns="0" rtlCol="0" anchor="t">
-            <a:spAutoFit/>
-          </a:bodyPr>
-          <a:lstStyle/>
-          <a:p>
-            <a:pPr algn="ctr">
-              <a:lnSpc>
-                <a:spcPts val="4479"/>
-              </a:lnSpc>
-              <a:spcBef>
-                <a:spcPct val="0"/>
-              </a:spcBef>
-            </a:pPr>
-            <a:r>
-              <a:rPr lang="en-US" sz="2799" dirty="0">
-                <a:solidFill>
-                  <a:srgbClr val="FFFFFF"/>
-                </a:solidFill>
-                <a:latin typeface="Poppins Light"/>
-              </a:rPr>
-              <a:t>C++</a:t>
-            </a:r>
-          </a:p>
-        </p:txBody>
-      </p:sp>
-      <p:sp>
-        <p:nvSpPr>
-          <p:cNvPr id="31" name="TextBox 31"/>
-          <p:cNvSpPr txBox="1"/>
-          <p:nvPr/>
-        </p:nvSpPr>
-        <p:spPr>
-          <a:xfrm>
-            <a:off x="7429588" y="8104504"/>
-            <a:ext cx="878324" cy="577081"/>
-          </a:xfrm>
-          <a:prstGeom prst="rect">
-            <a:avLst/>
-          </a:prstGeom>
-        </p:spPr>
-        <p:txBody>
-          <a:bodyPr wrap="square" lIns="0" tIns="0" rIns="0" bIns="0" rtlCol="0" anchor="t">
-            <a:spAutoFit/>
-          </a:bodyPr>
-          <a:lstStyle/>
-          <a:p>
-            <a:pPr algn="ctr">
-              <a:lnSpc>
-                <a:spcPts val="4479"/>
-              </a:lnSpc>
-              <a:spcBef>
-                <a:spcPct val="0"/>
-              </a:spcBef>
-            </a:pPr>
-            <a:r>
-              <a:rPr lang="en-US" sz="2799" dirty="0">
-                <a:solidFill>
-                  <a:srgbClr val="FFFFFF"/>
-                </a:solidFill>
-                <a:latin typeface="Poppins Light"/>
-              </a:rPr>
-              <a:t>PHP</a:t>
-            </a:r>
-          </a:p>
-        </p:txBody>
-      </p:sp>
-      <p:sp>
-        <p:nvSpPr>
-          <p:cNvPr id="32" name="TextBox 32"/>
-          <p:cNvSpPr txBox="1"/>
-          <p:nvPr/>
-        </p:nvSpPr>
-        <p:spPr>
-          <a:xfrm>
-            <a:off x="7429588" y="8705214"/>
-            <a:ext cx="1181012" cy="577081"/>
-          </a:xfrm>
-          <a:prstGeom prst="rect">
-            <a:avLst/>
-          </a:prstGeom>
-        </p:spPr>
-        <p:txBody>
-          <a:bodyPr wrap="square" lIns="0" tIns="0" rIns="0" bIns="0" rtlCol="0" anchor="t">
-            <a:spAutoFit/>
-          </a:bodyPr>
-          <a:lstStyle/>
-          <a:p>
-            <a:pPr algn="ctr">
-              <a:lnSpc>
-                <a:spcPts val="4479"/>
-              </a:lnSpc>
-              <a:spcBef>
-                <a:spcPct val="0"/>
-              </a:spcBef>
-            </a:pPr>
-            <a:r>
-              <a:rPr lang="en-US" sz="2799" dirty="0">
-                <a:solidFill>
-                  <a:srgbClr val="FFFFFF"/>
-                </a:solidFill>
-                <a:latin typeface="Poppins Light"/>
-              </a:rPr>
-              <a:t>JAVA</a:t>
-            </a:r>
-          </a:p>
-        </p:txBody>
-      </p:sp>
+      </p:pic>
     </p:spTree>
+    <p:extLst>
+      <p:ext uri="{BB962C8B-B14F-4D97-AF65-F5344CB8AC3E}">
+        <p14:creationId xmlns:p14="http://schemas.microsoft.com/office/powerpoint/2010/main" val="562746314"/>
+      </p:ext>
+    </p:extLst>
   </p:cSld>
   <p:clrMapOvr>
     <a:masterClrMapping/>
